--- a/dl2020/final/img.pptx
+++ b/dl2020/final/img.pptx
@@ -10,7 +10,9 @@
     <p:sldId id="284" r:id="rId4"/>
     <p:sldId id="283" r:id="rId5"/>
     <p:sldId id="275" r:id="rId6"/>
-    <p:sldId id="277" r:id="rId7"/>
+    <p:sldId id="286" r:id="rId7"/>
+    <p:sldId id="287" r:id="rId8"/>
+    <p:sldId id="277" r:id="rId9"/>
   </p:sldIdLst>
   <p:sldSz cx="21599525" cy="21599525"/>
   <p:notesSz cx="6858000" cy="9144000"/>
@@ -3196,14 +3198,7 @@
                   <a:latin typeface="SauceCodePro Nerd Font" panose="020B0509030403020204" pitchFamily="49" charset="0"/>
                   <a:ea typeface="SauceCodePro Nerd Font" panose="020B0509030403020204" pitchFamily="49" charset="0"/>
                 </a:rPr>
-                <a:t>En</a:t>
-              </a:r>
-              <a:r>
-                <a:rPr lang="en-US" altLang="zh-TW" dirty="0" smtClean="0">
-                  <a:latin typeface="SauceCodePro Nerd Font" panose="020B0509030403020204" pitchFamily="49" charset="0"/>
-                  <a:ea typeface="SauceCodePro Nerd Font" panose="020B0509030403020204" pitchFamily="49" charset="0"/>
-                </a:rPr>
-                <a:t>coder</a:t>
+                <a:t>Encoder</a:t>
               </a:r>
               <a:endParaRPr lang="zh-TW" altLang="en-US" dirty="0">
                 <a:latin typeface="SauceCodePro Nerd Font" panose="020B0509030403020204" pitchFamily="49" charset="0"/>
@@ -4036,10 +4031,6 @@
                 </a:rPr>
                 <a:t>......</a:t>
               </a:r>
-              <a:endParaRPr lang="en-US" altLang="zh-TW" sz="4000" dirty="0" smtClean="0">
-                <a:latin typeface="SauceCodePro Nerd Font" panose="020B0509030403020204" pitchFamily="49" charset="0"/>
-                <a:ea typeface="SauceCodePro Nerd Font" panose="020B0509030403020204" pitchFamily="49" charset="0"/>
-              </a:endParaRPr>
             </a:p>
           </p:txBody>
         </p:sp>
@@ -7652,10 +7643,6 @@
                 </a:rPr>
                 <a:t>orward</a:t>
               </a:r>
-              <a:endParaRPr lang="en-US" altLang="zh-TW" sz="3200" dirty="0" smtClean="0">
-                <a:latin typeface="SauceCodePro Nerd Font" panose="020B0509030403020204" pitchFamily="49" charset="0"/>
-                <a:ea typeface="SauceCodePro Nerd Font" panose="020B0509030403020204" pitchFamily="49" charset="0"/>
-              </a:endParaRPr>
             </a:p>
           </p:txBody>
         </p:sp>
@@ -7727,10 +7714,6 @@
                 </a:rPr>
                 <a:t>ackward</a:t>
               </a:r>
-              <a:endParaRPr lang="en-US" altLang="zh-TW" sz="3200" dirty="0" smtClean="0">
-                <a:latin typeface="SauceCodePro Nerd Font" panose="020B0509030403020204" pitchFamily="49" charset="0"/>
-                <a:ea typeface="SauceCodePro Nerd Font" panose="020B0509030403020204" pitchFamily="49" charset="0"/>
-              </a:endParaRPr>
             </a:p>
           </p:txBody>
         </p:sp>
@@ -7788,10 +7771,6 @@
                 </a:rPr>
                 <a:t>Optimization</a:t>
               </a:r>
-              <a:endParaRPr lang="en-US" altLang="zh-TW" sz="3200" dirty="0" smtClean="0">
-                <a:latin typeface="SauceCodePro Nerd Font" panose="020B0509030403020204" pitchFamily="49" charset="0"/>
-                <a:ea typeface="SauceCodePro Nerd Font" panose="020B0509030403020204" pitchFamily="49" charset="0"/>
-              </a:endParaRPr>
             </a:p>
           </p:txBody>
         </p:sp>
@@ -7921,10 +7900,6 @@
                 </a:rPr>
                 <a:t>ecoder Forward</a:t>
               </a:r>
-              <a:endParaRPr lang="en-US" altLang="zh-TW" sz="3200" dirty="0" smtClean="0">
-                <a:latin typeface="SauceCodePro Nerd Font" panose="020B0509030403020204" pitchFamily="49" charset="0"/>
-                <a:ea typeface="SauceCodePro Nerd Font" panose="020B0509030403020204" pitchFamily="49" charset="0"/>
-              </a:endParaRPr>
             </a:p>
           </p:txBody>
         </p:sp>
@@ -7996,10 +7971,6 @@
                 </a:rPr>
                 <a:t>ackward</a:t>
               </a:r>
-              <a:endParaRPr lang="en-US" altLang="zh-TW" sz="3200" dirty="0" smtClean="0">
-                <a:latin typeface="SauceCodePro Nerd Font" panose="020B0509030403020204" pitchFamily="49" charset="0"/>
-                <a:ea typeface="SauceCodePro Nerd Font" panose="020B0509030403020204" pitchFamily="49" charset="0"/>
-              </a:endParaRPr>
             </a:p>
           </p:txBody>
         </p:sp>
@@ -9789,7 +9760,7 @@
                   <a:latin typeface="SauceCodePro Nerd Font" panose="020B0509030403020204" pitchFamily="49" charset="0"/>
                   <a:ea typeface="SauceCodePro Nerd Font" panose="020B0509030403020204" pitchFamily="49" charset="0"/>
                 </a:rPr>
-                <a:t>256d</a:t>
+                <a:t>512d</a:t>
               </a:r>
               <a:endParaRPr lang="zh-TW" altLang="en-US" sz="3200" dirty="0">
                 <a:solidFill>
@@ -12694,6 +12665,4175 @@
 </file>
 
 <file path=ppt/slides/slide6.xml><?xml version="1.0" encoding="utf-8"?>
+<p:sld xmlns:a="http://schemas.openxmlformats.org/drawingml/2006/main" xmlns:r="http://schemas.openxmlformats.org/officeDocument/2006/relationships" xmlns:p="http://schemas.openxmlformats.org/presentationml/2006/main">
+  <p:cSld>
+    <p:bg>
+      <p:bgPr>
+        <a:solidFill>
+          <a:srgbClr val="282828"/>
+        </a:solidFill>
+        <a:effectLst/>
+      </p:bgPr>
+    </p:bg>
+    <p:spTree>
+      <p:nvGrpSpPr>
+        <p:cNvPr id="1" name=""/>
+        <p:cNvGrpSpPr/>
+        <p:nvPr/>
+      </p:nvGrpSpPr>
+      <p:grpSpPr>
+        <a:xfrm>
+          <a:off x="0" y="0"/>
+          <a:ext cx="0" cy="0"/>
+          <a:chOff x="0" y="0"/>
+          <a:chExt cx="0" cy="0"/>
+        </a:xfrm>
+      </p:grpSpPr>
+      <p:grpSp>
+        <p:nvGrpSpPr>
+          <p:cNvPr id="23" name="群組 22"/>
+          <p:cNvGrpSpPr/>
+          <p:nvPr/>
+        </p:nvGrpSpPr>
+        <p:grpSpPr>
+          <a:xfrm>
+            <a:off x="3150004" y="3762374"/>
+            <a:ext cx="13261571" cy="6053561"/>
+            <a:chOff x="3150004" y="3762374"/>
+            <a:chExt cx="13261571" cy="6053561"/>
+          </a:xfrm>
+        </p:grpSpPr>
+        <p:sp>
+          <p:nvSpPr>
+            <p:cNvPr id="206" name="圓角矩形 205"/>
+            <p:cNvSpPr/>
+            <p:nvPr/>
+          </p:nvSpPr>
+          <p:spPr>
+            <a:xfrm>
+              <a:off x="3150004" y="3762374"/>
+              <a:ext cx="13261571" cy="6053561"/>
+            </a:xfrm>
+            <a:prstGeom prst="roundRect">
+              <a:avLst>
+                <a:gd name="adj" fmla="val 7032"/>
+              </a:avLst>
+            </a:prstGeom>
+            <a:solidFill>
+              <a:srgbClr val="282828"/>
+            </a:solidFill>
+            <a:ln>
+              <a:solidFill>
+                <a:schemeClr val="bg1"/>
+              </a:solidFill>
+            </a:ln>
+          </p:spPr>
+          <p:style>
+            <a:lnRef idx="2">
+              <a:schemeClr val="accent1">
+                <a:shade val="50000"/>
+              </a:schemeClr>
+            </a:lnRef>
+            <a:fillRef idx="1">
+              <a:schemeClr val="accent1"/>
+            </a:fillRef>
+            <a:effectRef idx="0">
+              <a:schemeClr val="accent1"/>
+            </a:effectRef>
+            <a:fontRef idx="minor">
+              <a:schemeClr val="lt1"/>
+            </a:fontRef>
+          </p:style>
+          <p:txBody>
+            <a:bodyPr rtlCol="0" anchor="ctr"/>
+            <a:lstStyle/>
+            <a:p>
+              <a:pPr algn="ctr"/>
+              <a:endParaRPr lang="zh-TW" altLang="en-US"/>
+            </a:p>
+          </p:txBody>
+        </p:sp>
+        <p:sp>
+          <p:nvSpPr>
+            <p:cNvPr id="70" name="梯形 69"/>
+            <p:cNvSpPr/>
+            <p:nvPr/>
+          </p:nvSpPr>
+          <p:spPr>
+            <a:xfrm rot="5400000">
+              <a:off x="2493068" y="5378635"/>
+              <a:ext cx="3261761" cy="1476931"/>
+            </a:xfrm>
+            <a:prstGeom prst="trapezoid">
+              <a:avLst>
+                <a:gd name="adj" fmla="val 43312"/>
+              </a:avLst>
+            </a:prstGeom>
+            <a:solidFill>
+              <a:srgbClr val="B482DA"/>
+            </a:solidFill>
+            <a:ln w="19050">
+              <a:solidFill>
+                <a:srgbClr val="21C5FF"/>
+              </a:solidFill>
+            </a:ln>
+          </p:spPr>
+          <p:style>
+            <a:lnRef idx="2">
+              <a:schemeClr val="accent1">
+                <a:shade val="50000"/>
+              </a:schemeClr>
+            </a:lnRef>
+            <a:fillRef idx="1">
+              <a:schemeClr val="accent1"/>
+            </a:fillRef>
+            <a:effectRef idx="0">
+              <a:schemeClr val="accent1"/>
+            </a:effectRef>
+            <a:fontRef idx="minor">
+              <a:schemeClr val="lt1"/>
+            </a:fontRef>
+          </p:style>
+          <p:txBody>
+            <a:bodyPr rtlCol="0" anchor="ctr"/>
+            <a:lstStyle/>
+            <a:p>
+              <a:pPr algn="ctr"/>
+              <a:endParaRPr lang="zh-TW" altLang="en-US"/>
+            </a:p>
+          </p:txBody>
+        </p:sp>
+        <p:sp>
+          <p:nvSpPr>
+            <p:cNvPr id="71" name="梯形 70"/>
+            <p:cNvSpPr/>
+            <p:nvPr/>
+          </p:nvSpPr>
+          <p:spPr>
+            <a:xfrm rot="5400000">
+              <a:off x="7427026" y="4347625"/>
+              <a:ext cx="1739557" cy="1417378"/>
+            </a:xfrm>
+            <a:prstGeom prst="trapezoid">
+              <a:avLst>
+                <a:gd name="adj" fmla="val 36433"/>
+              </a:avLst>
+            </a:prstGeom>
+            <a:solidFill>
+              <a:srgbClr val="B482DA"/>
+            </a:solidFill>
+            <a:ln w="19050">
+              <a:solidFill>
+                <a:srgbClr val="21C5FF"/>
+              </a:solidFill>
+            </a:ln>
+          </p:spPr>
+          <p:style>
+            <a:lnRef idx="2">
+              <a:schemeClr val="accent1">
+                <a:shade val="50000"/>
+              </a:schemeClr>
+            </a:lnRef>
+            <a:fillRef idx="1">
+              <a:schemeClr val="accent1"/>
+            </a:fillRef>
+            <a:effectRef idx="0">
+              <a:schemeClr val="accent1"/>
+            </a:effectRef>
+            <a:fontRef idx="minor">
+              <a:schemeClr val="lt1"/>
+            </a:fontRef>
+          </p:style>
+          <p:txBody>
+            <a:bodyPr rtlCol="0" anchor="ctr"/>
+            <a:lstStyle/>
+            <a:p>
+              <a:pPr algn="ctr"/>
+              <a:endParaRPr lang="zh-TW" altLang="en-US" dirty="0"/>
+            </a:p>
+          </p:txBody>
+        </p:sp>
+        <p:sp>
+          <p:nvSpPr>
+            <p:cNvPr id="72" name="立方體 71"/>
+            <p:cNvSpPr/>
+            <p:nvPr/>
+          </p:nvSpPr>
+          <p:spPr>
+            <a:xfrm>
+              <a:off x="5397948" y="5176055"/>
+              <a:ext cx="1695596" cy="1213563"/>
+            </a:xfrm>
+            <a:prstGeom prst="cube">
+              <a:avLst>
+                <a:gd name="adj" fmla="val 54817"/>
+              </a:avLst>
+            </a:prstGeom>
+            <a:ln w="19050">
+              <a:solidFill>
+                <a:schemeClr val="accent2"/>
+              </a:solidFill>
+            </a:ln>
+          </p:spPr>
+          <p:style>
+            <a:lnRef idx="2">
+              <a:schemeClr val="accent1">
+                <a:shade val="50000"/>
+              </a:schemeClr>
+            </a:lnRef>
+            <a:fillRef idx="1">
+              <a:schemeClr val="accent1"/>
+            </a:fillRef>
+            <a:effectRef idx="0">
+              <a:schemeClr val="accent1"/>
+            </a:effectRef>
+            <a:fontRef idx="minor">
+              <a:schemeClr val="lt1"/>
+            </a:fontRef>
+          </p:style>
+          <p:txBody>
+            <a:bodyPr rtlCol="0" anchor="ctr"/>
+            <a:lstStyle/>
+            <a:p>
+              <a:pPr algn="ctr"/>
+              <a:endParaRPr lang="zh-TW" altLang="en-US"/>
+            </a:p>
+          </p:txBody>
+        </p:sp>
+        <p:sp>
+          <p:nvSpPr>
+            <p:cNvPr id="73" name="立方體 72"/>
+            <p:cNvSpPr/>
+            <p:nvPr/>
+          </p:nvSpPr>
+          <p:spPr>
+            <a:xfrm>
+              <a:off x="15040048" y="5192118"/>
+              <a:ext cx="1043386" cy="1038009"/>
+            </a:xfrm>
+            <a:prstGeom prst="cube">
+              <a:avLst>
+                <a:gd name="adj" fmla="val 78342"/>
+              </a:avLst>
+            </a:prstGeom>
+            <a:ln w="19050">
+              <a:solidFill>
+                <a:schemeClr val="accent2"/>
+              </a:solidFill>
+            </a:ln>
+          </p:spPr>
+          <p:style>
+            <a:lnRef idx="2">
+              <a:schemeClr val="accent1">
+                <a:shade val="50000"/>
+              </a:schemeClr>
+            </a:lnRef>
+            <a:fillRef idx="1">
+              <a:schemeClr val="accent1"/>
+            </a:fillRef>
+            <a:effectRef idx="0">
+              <a:schemeClr val="accent1"/>
+            </a:effectRef>
+            <a:fontRef idx="minor">
+              <a:schemeClr val="lt1"/>
+            </a:fontRef>
+          </p:style>
+          <p:txBody>
+            <a:bodyPr rtlCol="0" anchor="ctr"/>
+            <a:lstStyle/>
+            <a:p>
+              <a:pPr algn="ctr"/>
+              <a:endParaRPr lang="zh-TW" altLang="en-US"/>
+            </a:p>
+          </p:txBody>
+        </p:sp>
+        <p:sp>
+          <p:nvSpPr>
+            <p:cNvPr id="74" name="立方體 73"/>
+            <p:cNvSpPr/>
+            <p:nvPr/>
+          </p:nvSpPr>
+          <p:spPr>
+            <a:xfrm>
+              <a:off x="9756437" y="4318283"/>
+              <a:ext cx="1038469" cy="922591"/>
+            </a:xfrm>
+            <a:prstGeom prst="cube">
+              <a:avLst>
+                <a:gd name="adj" fmla="val 59991"/>
+              </a:avLst>
+            </a:prstGeom>
+            <a:ln w="19050">
+              <a:solidFill>
+                <a:schemeClr val="accent2"/>
+              </a:solidFill>
+            </a:ln>
+          </p:spPr>
+          <p:style>
+            <a:lnRef idx="2">
+              <a:schemeClr val="accent1">
+                <a:shade val="50000"/>
+              </a:schemeClr>
+            </a:lnRef>
+            <a:fillRef idx="1">
+              <a:schemeClr val="accent1"/>
+            </a:fillRef>
+            <a:effectRef idx="0">
+              <a:schemeClr val="accent1"/>
+            </a:effectRef>
+            <a:fontRef idx="minor">
+              <a:schemeClr val="lt1"/>
+            </a:fontRef>
+          </p:style>
+          <p:txBody>
+            <a:bodyPr rtlCol="0" anchor="ctr"/>
+            <a:lstStyle/>
+            <a:p>
+              <a:pPr algn="ctr"/>
+              <a:endParaRPr lang="zh-TW" altLang="en-US"/>
+            </a:p>
+          </p:txBody>
+        </p:sp>
+        <p:sp>
+          <p:nvSpPr>
+            <p:cNvPr id="75" name="立方體 74"/>
+            <p:cNvSpPr/>
+            <p:nvPr/>
+          </p:nvSpPr>
+          <p:spPr>
+            <a:xfrm>
+              <a:off x="9708934" y="7215121"/>
+              <a:ext cx="1155007" cy="667745"/>
+            </a:xfrm>
+            <a:prstGeom prst="cube">
+              <a:avLst>
+                <a:gd name="adj" fmla="val 17729"/>
+              </a:avLst>
+            </a:prstGeom>
+            <a:ln w="19050">
+              <a:solidFill>
+                <a:schemeClr val="accent2"/>
+              </a:solidFill>
+            </a:ln>
+          </p:spPr>
+          <p:style>
+            <a:lnRef idx="2">
+              <a:schemeClr val="accent1">
+                <a:shade val="50000"/>
+              </a:schemeClr>
+            </a:lnRef>
+            <a:fillRef idx="1">
+              <a:schemeClr val="accent1"/>
+            </a:fillRef>
+            <a:effectRef idx="0">
+              <a:schemeClr val="accent1"/>
+            </a:effectRef>
+            <a:fontRef idx="minor">
+              <a:schemeClr val="lt1"/>
+            </a:fontRef>
+          </p:style>
+          <p:txBody>
+            <a:bodyPr rtlCol="0" anchor="ctr"/>
+            <a:lstStyle/>
+            <a:p>
+              <a:pPr algn="ctr"/>
+              <a:endParaRPr lang="zh-TW" altLang="en-US"/>
+            </a:p>
+          </p:txBody>
+        </p:sp>
+        <p:sp>
+          <p:nvSpPr>
+            <p:cNvPr id="77" name="矩形 76"/>
+            <p:cNvSpPr/>
+            <p:nvPr/>
+          </p:nvSpPr>
+          <p:spPr>
+            <a:xfrm>
+              <a:off x="9306963" y="7977152"/>
+              <a:ext cx="1925279" cy="364577"/>
+            </a:xfrm>
+            <a:prstGeom prst="rect">
+              <a:avLst/>
+            </a:prstGeom>
+            <a:noFill/>
+            <a:ln>
+              <a:noFill/>
+            </a:ln>
+          </p:spPr>
+          <p:style>
+            <a:lnRef idx="2">
+              <a:schemeClr val="accent1">
+                <a:shade val="50000"/>
+              </a:schemeClr>
+            </a:lnRef>
+            <a:fillRef idx="1">
+              <a:schemeClr val="accent1"/>
+            </a:fillRef>
+            <a:effectRef idx="0">
+              <a:schemeClr val="accent1"/>
+            </a:effectRef>
+            <a:fontRef idx="minor">
+              <a:schemeClr val="lt1"/>
+            </a:fontRef>
+          </p:style>
+          <p:txBody>
+            <a:bodyPr rtlCol="0" anchor="ctr"/>
+            <a:lstStyle/>
+            <a:p>
+              <a:pPr algn="ctr"/>
+              <a:r>
+                <a:rPr lang="en-US" altLang="zh-TW" sz="3200" dirty="0" smtClean="0">
+                  <a:ln w="9525">
+                    <a:noFill/>
+                  </a:ln>
+                  <a:latin typeface="SauceCodePro Nerd Font" panose="020B0509030403020204" pitchFamily="49" charset="0"/>
+                  <a:ea typeface="SauceCodePro Nerd Font" panose="020B0509030403020204" pitchFamily="49" charset="0"/>
+                </a:rPr>
+                <a:t>(8,16,1)</a:t>
+              </a:r>
+            </a:p>
+          </p:txBody>
+        </p:sp>
+        <p:sp>
+          <p:nvSpPr>
+            <p:cNvPr id="78" name="矩形 77"/>
+            <p:cNvSpPr/>
+            <p:nvPr/>
+          </p:nvSpPr>
+          <p:spPr>
+            <a:xfrm>
+              <a:off x="9241794" y="5486812"/>
+              <a:ext cx="1925279" cy="364577"/>
+            </a:xfrm>
+            <a:prstGeom prst="rect">
+              <a:avLst/>
+            </a:prstGeom>
+            <a:noFill/>
+            <a:ln>
+              <a:noFill/>
+            </a:ln>
+          </p:spPr>
+          <p:style>
+            <a:lnRef idx="2">
+              <a:schemeClr val="accent1">
+                <a:shade val="50000"/>
+              </a:schemeClr>
+            </a:lnRef>
+            <a:fillRef idx="1">
+              <a:schemeClr val="accent1"/>
+            </a:fillRef>
+            <a:effectRef idx="0">
+              <a:schemeClr val="accent1"/>
+            </a:effectRef>
+            <a:fontRef idx="minor">
+              <a:schemeClr val="lt1"/>
+            </a:fontRef>
+          </p:style>
+          <p:txBody>
+            <a:bodyPr rtlCol="0" anchor="ctr"/>
+            <a:lstStyle/>
+            <a:p>
+              <a:pPr algn="ctr"/>
+              <a:r>
+                <a:rPr lang="en-US" altLang="zh-TW" sz="3200" dirty="0" smtClean="0">
+                  <a:ln w="9525">
+                    <a:noFill/>
+                  </a:ln>
+                  <a:latin typeface="SauceCodePro Nerd Font" panose="020B0509030403020204" pitchFamily="49" charset="0"/>
+                  <a:ea typeface="SauceCodePro Nerd Font" panose="020B0509030403020204" pitchFamily="49" charset="0"/>
+                </a:rPr>
+                <a:t>(2,4,32)</a:t>
+              </a:r>
+            </a:p>
+          </p:txBody>
+        </p:sp>
+        <p:sp>
+          <p:nvSpPr>
+            <p:cNvPr id="80" name="梯形 79"/>
+            <p:cNvSpPr/>
+            <p:nvPr/>
+          </p:nvSpPr>
+          <p:spPr>
+            <a:xfrm rot="5400000">
+              <a:off x="7436498" y="6892895"/>
+              <a:ext cx="1739557" cy="1417378"/>
+            </a:xfrm>
+            <a:prstGeom prst="trapezoid">
+              <a:avLst>
+                <a:gd name="adj" fmla="val 36433"/>
+              </a:avLst>
+            </a:prstGeom>
+            <a:solidFill>
+              <a:srgbClr val="B482DA"/>
+            </a:solidFill>
+            <a:ln w="19050">
+              <a:solidFill>
+                <a:srgbClr val="21C5FF"/>
+              </a:solidFill>
+            </a:ln>
+          </p:spPr>
+          <p:style>
+            <a:lnRef idx="2">
+              <a:schemeClr val="accent1">
+                <a:shade val="50000"/>
+              </a:schemeClr>
+            </a:lnRef>
+            <a:fillRef idx="1">
+              <a:schemeClr val="accent1"/>
+            </a:fillRef>
+            <a:effectRef idx="0">
+              <a:schemeClr val="accent1"/>
+            </a:effectRef>
+            <a:fontRef idx="minor">
+              <a:schemeClr val="lt1"/>
+            </a:fontRef>
+          </p:style>
+          <p:txBody>
+            <a:bodyPr rtlCol="0" anchor="ctr"/>
+            <a:lstStyle/>
+            <a:p>
+              <a:pPr algn="ctr"/>
+              <a:endParaRPr lang="zh-TW" altLang="en-US"/>
+            </a:p>
+          </p:txBody>
+        </p:sp>
+        <p:cxnSp>
+          <p:nvCxnSpPr>
+            <p:cNvPr id="81" name="直線單箭頭接點 62"/>
+            <p:cNvCxnSpPr>
+              <a:stCxn id="75" idx="4"/>
+              <a:endCxn id="108" idx="2"/>
+            </p:cNvCxnSpPr>
+            <p:nvPr/>
+          </p:nvCxnSpPr>
+          <p:spPr>
+            <a:xfrm flipV="1">
+              <a:off x="10745556" y="6113590"/>
+              <a:ext cx="800293" cy="1494596"/>
+            </a:xfrm>
+            <a:prstGeom prst="bentConnector3">
+              <a:avLst>
+                <a:gd name="adj1" fmla="val 65473"/>
+              </a:avLst>
+            </a:prstGeom>
+            <a:ln w="57150">
+              <a:solidFill>
+                <a:srgbClr val="FF0066"/>
+              </a:solidFill>
+              <a:tailEnd type="triangle"/>
+            </a:ln>
+          </p:spPr>
+          <p:style>
+            <a:lnRef idx="1">
+              <a:schemeClr val="accent1"/>
+            </a:lnRef>
+            <a:fillRef idx="0">
+              <a:schemeClr val="accent1"/>
+            </a:fillRef>
+            <a:effectRef idx="0">
+              <a:schemeClr val="accent1"/>
+            </a:effectRef>
+            <a:fontRef idx="minor">
+              <a:schemeClr val="tx1"/>
+            </a:fontRef>
+          </p:style>
+        </p:cxnSp>
+        <p:sp>
+          <p:nvSpPr>
+            <p:cNvPr id="83" name="梯形 82"/>
+            <p:cNvSpPr/>
+            <p:nvPr/>
+          </p:nvSpPr>
+          <p:spPr>
+            <a:xfrm rot="5400000">
+              <a:off x="12969750" y="5403719"/>
+              <a:ext cx="1739557" cy="1417378"/>
+            </a:xfrm>
+            <a:prstGeom prst="trapezoid">
+              <a:avLst>
+                <a:gd name="adj" fmla="val 36433"/>
+              </a:avLst>
+            </a:prstGeom>
+            <a:solidFill>
+              <a:srgbClr val="B482DA"/>
+            </a:solidFill>
+            <a:ln w="19050">
+              <a:solidFill>
+                <a:srgbClr val="21C5FF"/>
+              </a:solidFill>
+            </a:ln>
+          </p:spPr>
+          <p:style>
+            <a:lnRef idx="2">
+              <a:schemeClr val="accent1">
+                <a:shade val="50000"/>
+              </a:schemeClr>
+            </a:lnRef>
+            <a:fillRef idx="1">
+              <a:schemeClr val="accent1"/>
+            </a:fillRef>
+            <a:effectRef idx="0">
+              <a:schemeClr val="accent1"/>
+            </a:effectRef>
+            <a:fontRef idx="minor">
+              <a:schemeClr val="lt1"/>
+            </a:fontRef>
+          </p:style>
+          <p:txBody>
+            <a:bodyPr rtlCol="0" anchor="ctr"/>
+            <a:lstStyle/>
+            <a:p>
+              <a:pPr algn="ctr"/>
+              <a:endParaRPr lang="zh-TW" altLang="en-US"/>
+            </a:p>
+          </p:txBody>
+        </p:sp>
+        <p:cxnSp>
+          <p:nvCxnSpPr>
+            <p:cNvPr id="84" name="直線單箭頭接點 62"/>
+            <p:cNvCxnSpPr>
+              <a:stCxn id="70" idx="0"/>
+              <a:endCxn id="72" idx="2"/>
+            </p:cNvCxnSpPr>
+            <p:nvPr/>
+          </p:nvCxnSpPr>
+          <p:spPr>
+            <a:xfrm flipV="1">
+              <a:off x="4862414" y="6115456"/>
+              <a:ext cx="535534" cy="1645"/>
+            </a:xfrm>
+            <a:prstGeom prst="straightConnector1">
+              <a:avLst/>
+            </a:prstGeom>
+            <a:ln w="57150">
+              <a:gradFill>
+                <a:gsLst>
+                  <a:gs pos="0">
+                    <a:srgbClr val="00B0F0"/>
+                  </a:gs>
+                  <a:gs pos="58000">
+                    <a:schemeClr val="accent2"/>
+                  </a:gs>
+                </a:gsLst>
+                <a:lin ang="0" scaled="0"/>
+              </a:gradFill>
+              <a:tailEnd type="triangle"/>
+            </a:ln>
+          </p:spPr>
+          <p:style>
+            <a:lnRef idx="1">
+              <a:schemeClr val="accent1"/>
+            </a:lnRef>
+            <a:fillRef idx="0">
+              <a:schemeClr val="accent1"/>
+            </a:fillRef>
+            <a:effectRef idx="0">
+              <a:schemeClr val="accent1"/>
+            </a:effectRef>
+            <a:fontRef idx="minor">
+              <a:schemeClr val="tx1"/>
+            </a:fontRef>
+          </p:style>
+        </p:cxnSp>
+        <p:cxnSp>
+          <p:nvCxnSpPr>
+            <p:cNvPr id="92" name="直線單箭頭接點 62"/>
+            <p:cNvCxnSpPr>
+              <a:stCxn id="72" idx="4"/>
+              <a:endCxn id="80" idx="2"/>
+            </p:cNvCxnSpPr>
+            <p:nvPr/>
+          </p:nvCxnSpPr>
+          <p:spPr>
+            <a:xfrm>
+              <a:off x="6428305" y="6115456"/>
+              <a:ext cx="1169283" cy="1486129"/>
+            </a:xfrm>
+            <a:prstGeom prst="bentConnector3">
+              <a:avLst>
+                <a:gd name="adj1" fmla="val 50000"/>
+              </a:avLst>
+            </a:prstGeom>
+            <a:ln w="57150">
+              <a:gradFill>
+                <a:gsLst>
+                  <a:gs pos="100000">
+                    <a:srgbClr val="21C5FF"/>
+                  </a:gs>
+                  <a:gs pos="0">
+                    <a:schemeClr val="accent2"/>
+                  </a:gs>
+                </a:gsLst>
+                <a:lin ang="5400000" scaled="0"/>
+              </a:gradFill>
+              <a:tailEnd type="triangle"/>
+            </a:ln>
+          </p:spPr>
+          <p:style>
+            <a:lnRef idx="1">
+              <a:schemeClr val="accent1"/>
+            </a:lnRef>
+            <a:fillRef idx="0">
+              <a:schemeClr val="accent1"/>
+            </a:fillRef>
+            <a:effectRef idx="0">
+              <a:schemeClr val="accent1"/>
+            </a:effectRef>
+            <a:fontRef idx="minor">
+              <a:schemeClr val="tx1"/>
+            </a:fontRef>
+          </p:style>
+        </p:cxnSp>
+        <p:cxnSp>
+          <p:nvCxnSpPr>
+            <p:cNvPr id="96" name="直線單箭頭接點 62"/>
+            <p:cNvCxnSpPr>
+              <a:stCxn id="72" idx="4"/>
+              <a:endCxn id="71" idx="2"/>
+            </p:cNvCxnSpPr>
+            <p:nvPr/>
+          </p:nvCxnSpPr>
+          <p:spPr>
+            <a:xfrm flipV="1">
+              <a:off x="6428305" y="5056315"/>
+              <a:ext cx="1159811" cy="1059141"/>
+            </a:xfrm>
+            <a:prstGeom prst="bentConnector3">
+              <a:avLst>
+                <a:gd name="adj1" fmla="val 50000"/>
+              </a:avLst>
+            </a:prstGeom>
+            <a:ln w="57150">
+              <a:gradFill>
+                <a:gsLst>
+                  <a:gs pos="100000">
+                    <a:srgbClr val="21C5FF"/>
+                  </a:gs>
+                  <a:gs pos="0">
+                    <a:schemeClr val="accent2"/>
+                  </a:gs>
+                </a:gsLst>
+                <a:lin ang="5400000" scaled="0"/>
+              </a:gradFill>
+              <a:tailEnd type="triangle"/>
+            </a:ln>
+          </p:spPr>
+          <p:style>
+            <a:lnRef idx="1">
+              <a:schemeClr val="accent1"/>
+            </a:lnRef>
+            <a:fillRef idx="0">
+              <a:schemeClr val="accent1"/>
+            </a:fillRef>
+            <a:effectRef idx="0">
+              <a:schemeClr val="accent1"/>
+            </a:effectRef>
+            <a:fontRef idx="minor">
+              <a:schemeClr val="tx1"/>
+            </a:fontRef>
+          </p:style>
+        </p:cxnSp>
+        <p:sp>
+          <p:nvSpPr>
+            <p:cNvPr id="108" name="立方體 107"/>
+            <p:cNvSpPr/>
+            <p:nvPr/>
+          </p:nvSpPr>
+          <p:spPr>
+            <a:xfrm>
+              <a:off x="11545849" y="4743497"/>
+              <a:ext cx="1487702" cy="1486630"/>
+            </a:xfrm>
+            <a:prstGeom prst="cube">
+              <a:avLst>
+                <a:gd name="adj" fmla="val 84322"/>
+              </a:avLst>
+            </a:prstGeom>
+            <a:ln w="19050">
+              <a:solidFill>
+                <a:schemeClr val="accent2"/>
+              </a:solidFill>
+            </a:ln>
+          </p:spPr>
+          <p:style>
+            <a:lnRef idx="2">
+              <a:schemeClr val="accent1">
+                <a:shade val="50000"/>
+              </a:schemeClr>
+            </a:lnRef>
+            <a:fillRef idx="1">
+              <a:schemeClr val="accent1"/>
+            </a:fillRef>
+            <a:effectRef idx="0">
+              <a:schemeClr val="accent1"/>
+            </a:effectRef>
+            <a:fontRef idx="minor">
+              <a:schemeClr val="lt1"/>
+            </a:fontRef>
+          </p:style>
+          <p:txBody>
+            <a:bodyPr rtlCol="0" anchor="ctr"/>
+            <a:lstStyle/>
+            <a:p>
+              <a:pPr algn="ctr"/>
+              <a:endParaRPr lang="zh-TW" altLang="en-US"/>
+            </a:p>
+          </p:txBody>
+        </p:sp>
+        <p:cxnSp>
+          <p:nvCxnSpPr>
+            <p:cNvPr id="157" name="直線單箭頭接點 62"/>
+            <p:cNvCxnSpPr>
+              <a:stCxn id="71" idx="0"/>
+              <a:endCxn id="74" idx="2"/>
+            </p:cNvCxnSpPr>
+            <p:nvPr/>
+          </p:nvCxnSpPr>
+          <p:spPr>
+            <a:xfrm flipV="1">
+              <a:off x="9005494" y="5056314"/>
+              <a:ext cx="750943" cy="1"/>
+            </a:xfrm>
+            <a:prstGeom prst="straightConnector1">
+              <a:avLst/>
+            </a:prstGeom>
+            <a:ln w="57150">
+              <a:gradFill>
+                <a:gsLst>
+                  <a:gs pos="0">
+                    <a:srgbClr val="00B0F0"/>
+                  </a:gs>
+                  <a:gs pos="58000">
+                    <a:schemeClr val="accent2"/>
+                  </a:gs>
+                </a:gsLst>
+                <a:lin ang="0" scaled="0"/>
+              </a:gradFill>
+              <a:tailEnd type="triangle"/>
+            </a:ln>
+          </p:spPr>
+          <p:style>
+            <a:lnRef idx="1">
+              <a:schemeClr val="accent1"/>
+            </a:lnRef>
+            <a:fillRef idx="0">
+              <a:schemeClr val="accent1"/>
+            </a:fillRef>
+            <a:effectRef idx="0">
+              <a:schemeClr val="accent1"/>
+            </a:effectRef>
+            <a:fontRef idx="minor">
+              <a:schemeClr val="tx1"/>
+            </a:fontRef>
+          </p:style>
+        </p:cxnSp>
+        <p:cxnSp>
+          <p:nvCxnSpPr>
+            <p:cNvPr id="161" name="直線單箭頭接點 62"/>
+            <p:cNvCxnSpPr>
+              <a:stCxn id="80" idx="0"/>
+              <a:endCxn id="75" idx="2"/>
+            </p:cNvCxnSpPr>
+            <p:nvPr/>
+          </p:nvCxnSpPr>
+          <p:spPr>
+            <a:xfrm>
+              <a:off x="9014966" y="7601585"/>
+              <a:ext cx="693968" cy="6601"/>
+            </a:xfrm>
+            <a:prstGeom prst="straightConnector1">
+              <a:avLst/>
+            </a:prstGeom>
+            <a:ln w="57150">
+              <a:gradFill>
+                <a:gsLst>
+                  <a:gs pos="0">
+                    <a:srgbClr val="00B0F0"/>
+                  </a:gs>
+                  <a:gs pos="58000">
+                    <a:schemeClr val="accent2"/>
+                  </a:gs>
+                </a:gsLst>
+                <a:lin ang="0" scaled="0"/>
+              </a:gradFill>
+              <a:tailEnd type="triangle"/>
+            </a:ln>
+          </p:spPr>
+          <p:style>
+            <a:lnRef idx="1">
+              <a:schemeClr val="accent1"/>
+            </a:lnRef>
+            <a:fillRef idx="0">
+              <a:schemeClr val="accent1"/>
+            </a:fillRef>
+            <a:effectRef idx="0">
+              <a:schemeClr val="accent1"/>
+            </a:effectRef>
+            <a:fontRef idx="minor">
+              <a:schemeClr val="tx1"/>
+            </a:fontRef>
+          </p:style>
+        </p:cxnSp>
+        <p:cxnSp>
+          <p:nvCxnSpPr>
+            <p:cNvPr id="164" name="直線單箭頭接點 62"/>
+            <p:cNvCxnSpPr>
+              <a:stCxn id="108" idx="4"/>
+              <a:endCxn id="83" idx="2"/>
+            </p:cNvCxnSpPr>
+            <p:nvPr/>
+          </p:nvCxnSpPr>
+          <p:spPr>
+            <a:xfrm flipV="1">
+              <a:off x="11779995" y="6112409"/>
+              <a:ext cx="1350845" cy="1181"/>
+            </a:xfrm>
+            <a:prstGeom prst="straightConnector1">
+              <a:avLst/>
+            </a:prstGeom>
+            <a:ln w="57150">
+              <a:gradFill>
+                <a:gsLst>
+                  <a:gs pos="100000">
+                    <a:srgbClr val="21C5FF"/>
+                  </a:gs>
+                  <a:gs pos="0">
+                    <a:schemeClr val="accent2"/>
+                  </a:gs>
+                </a:gsLst>
+                <a:lin ang="0" scaled="0"/>
+              </a:gradFill>
+              <a:tailEnd type="triangle"/>
+            </a:ln>
+          </p:spPr>
+          <p:style>
+            <a:lnRef idx="1">
+              <a:schemeClr val="accent1"/>
+            </a:lnRef>
+            <a:fillRef idx="0">
+              <a:schemeClr val="accent1"/>
+            </a:fillRef>
+            <a:effectRef idx="0">
+              <a:schemeClr val="accent1"/>
+            </a:effectRef>
+            <a:fontRef idx="minor">
+              <a:schemeClr val="tx1"/>
+            </a:fontRef>
+          </p:style>
+        </p:cxnSp>
+        <p:cxnSp>
+          <p:nvCxnSpPr>
+            <p:cNvPr id="168" name="直線單箭頭接點 62"/>
+            <p:cNvCxnSpPr>
+              <a:stCxn id="83" idx="0"/>
+              <a:endCxn id="73" idx="2"/>
+            </p:cNvCxnSpPr>
+            <p:nvPr/>
+          </p:nvCxnSpPr>
+          <p:spPr>
+            <a:xfrm>
+              <a:off x="14548218" y="6112409"/>
+              <a:ext cx="491830" cy="5312"/>
+            </a:xfrm>
+            <a:prstGeom prst="straightConnector1">
+              <a:avLst/>
+            </a:prstGeom>
+            <a:ln w="57150">
+              <a:gradFill>
+                <a:gsLst>
+                  <a:gs pos="0">
+                    <a:srgbClr val="00B0F0"/>
+                  </a:gs>
+                  <a:gs pos="58000">
+                    <a:schemeClr val="accent2"/>
+                  </a:gs>
+                </a:gsLst>
+                <a:lin ang="0" scaled="0"/>
+              </a:gradFill>
+              <a:tailEnd type="triangle"/>
+            </a:ln>
+          </p:spPr>
+          <p:style>
+            <a:lnRef idx="1">
+              <a:schemeClr val="accent1"/>
+            </a:lnRef>
+            <a:fillRef idx="0">
+              <a:schemeClr val="accent1"/>
+            </a:fillRef>
+            <a:effectRef idx="0">
+              <a:schemeClr val="accent1"/>
+            </a:effectRef>
+            <a:fontRef idx="minor">
+              <a:schemeClr val="tx1"/>
+            </a:fontRef>
+          </p:style>
+        </p:cxnSp>
+        <p:cxnSp>
+          <p:nvCxnSpPr>
+            <p:cNvPr id="104" name="直線單箭頭接點 62"/>
+            <p:cNvCxnSpPr>
+              <a:stCxn id="74" idx="4"/>
+              <a:endCxn id="108" idx="2"/>
+            </p:cNvCxnSpPr>
+            <p:nvPr/>
+          </p:nvCxnSpPr>
+          <p:spPr>
+            <a:xfrm>
+              <a:off x="10241434" y="5056314"/>
+              <a:ext cx="1304415" cy="1057276"/>
+            </a:xfrm>
+            <a:prstGeom prst="bentConnector3">
+              <a:avLst>
+                <a:gd name="adj1" fmla="val 78235"/>
+              </a:avLst>
+            </a:prstGeom>
+            <a:ln w="57150">
+              <a:solidFill>
+                <a:srgbClr val="FF0066"/>
+              </a:solidFill>
+              <a:tailEnd type="triangle"/>
+            </a:ln>
+          </p:spPr>
+          <p:style>
+            <a:lnRef idx="1">
+              <a:schemeClr val="accent1"/>
+            </a:lnRef>
+            <a:fillRef idx="0">
+              <a:schemeClr val="accent1"/>
+            </a:fillRef>
+            <a:effectRef idx="0">
+              <a:schemeClr val="accent1"/>
+            </a:effectRef>
+            <a:fontRef idx="minor">
+              <a:schemeClr val="tx1"/>
+            </a:fontRef>
+          </p:style>
+        </p:cxnSp>
+        <p:sp>
+          <p:nvSpPr>
+            <p:cNvPr id="171" name="矩形 170"/>
+            <p:cNvSpPr/>
+            <p:nvPr/>
+          </p:nvSpPr>
+          <p:spPr>
+            <a:xfrm>
+              <a:off x="11395347" y="6375791"/>
+              <a:ext cx="1345505" cy="364577"/>
+            </a:xfrm>
+            <a:prstGeom prst="rect">
+              <a:avLst/>
+            </a:prstGeom>
+            <a:noFill/>
+            <a:ln>
+              <a:noFill/>
+            </a:ln>
+          </p:spPr>
+          <p:style>
+            <a:lnRef idx="2">
+              <a:schemeClr val="accent1">
+                <a:shade val="50000"/>
+              </a:schemeClr>
+            </a:lnRef>
+            <a:fillRef idx="1">
+              <a:schemeClr val="accent1"/>
+            </a:fillRef>
+            <a:effectRef idx="0">
+              <a:schemeClr val="accent1"/>
+            </a:effectRef>
+            <a:fontRef idx="minor">
+              <a:schemeClr val="lt1"/>
+            </a:fontRef>
+          </p:style>
+          <p:txBody>
+            <a:bodyPr rtlCol="0" anchor="ctr"/>
+            <a:lstStyle/>
+            <a:p>
+              <a:pPr algn="ctr"/>
+              <a:r>
+                <a:rPr lang="en-US" altLang="zh-TW" sz="3200" dirty="0" smtClean="0">
+                  <a:ln w="9525">
+                    <a:noFill/>
+                  </a:ln>
+                  <a:latin typeface="SauceCodePro Nerd Font" panose="020B0509030403020204" pitchFamily="49" charset="0"/>
+                  <a:ea typeface="SauceCodePro Nerd Font" panose="020B0509030403020204" pitchFamily="49" charset="0"/>
+                </a:rPr>
+                <a:t>(384)</a:t>
+              </a:r>
+            </a:p>
+          </p:txBody>
+        </p:sp>
+        <p:sp>
+          <p:nvSpPr>
+            <p:cNvPr id="172" name="矩形 171"/>
+            <p:cNvSpPr/>
+            <p:nvPr/>
+          </p:nvSpPr>
+          <p:spPr>
+            <a:xfrm>
+              <a:off x="14741732" y="6295290"/>
+              <a:ext cx="1345505" cy="364577"/>
+            </a:xfrm>
+            <a:prstGeom prst="rect">
+              <a:avLst/>
+            </a:prstGeom>
+            <a:noFill/>
+            <a:ln>
+              <a:noFill/>
+            </a:ln>
+          </p:spPr>
+          <p:style>
+            <a:lnRef idx="2">
+              <a:schemeClr val="accent1">
+                <a:shade val="50000"/>
+              </a:schemeClr>
+            </a:lnRef>
+            <a:fillRef idx="1">
+              <a:schemeClr val="accent1"/>
+            </a:fillRef>
+            <a:effectRef idx="0">
+              <a:schemeClr val="accent1"/>
+            </a:effectRef>
+            <a:fontRef idx="minor">
+              <a:schemeClr val="lt1"/>
+            </a:fontRef>
+          </p:style>
+          <p:txBody>
+            <a:bodyPr rtlCol="0" anchor="ctr"/>
+            <a:lstStyle/>
+            <a:p>
+              <a:pPr algn="ctr"/>
+              <a:r>
+                <a:rPr lang="en-US" altLang="zh-TW" sz="3200" dirty="0" smtClean="0">
+                  <a:ln w="9525">
+                    <a:noFill/>
+                  </a:ln>
+                  <a:latin typeface="SauceCodePro Nerd Font" panose="020B0509030403020204" pitchFamily="49" charset="0"/>
+                  <a:ea typeface="SauceCodePro Nerd Font" panose="020B0509030403020204" pitchFamily="49" charset="0"/>
+                </a:rPr>
+                <a:t>(512)</a:t>
+              </a:r>
+            </a:p>
+          </p:txBody>
+        </p:sp>
+        <p:cxnSp>
+          <p:nvCxnSpPr>
+            <p:cNvPr id="207" name="直線單箭頭接點 62"/>
+            <p:cNvCxnSpPr/>
+            <p:nvPr/>
+          </p:nvCxnSpPr>
+          <p:spPr>
+            <a:xfrm>
+              <a:off x="6957018" y="9422129"/>
+              <a:ext cx="5162056" cy="9857"/>
+            </a:xfrm>
+            <a:prstGeom prst="straightConnector1">
+              <a:avLst/>
+            </a:prstGeom>
+            <a:ln w="88900">
+              <a:solidFill>
+                <a:srgbClr val="FF0066"/>
+              </a:solidFill>
+              <a:tailEnd type="triangle"/>
+            </a:ln>
+          </p:spPr>
+          <p:style>
+            <a:lnRef idx="1">
+              <a:schemeClr val="accent1"/>
+            </a:lnRef>
+            <a:fillRef idx="0">
+              <a:schemeClr val="accent1"/>
+            </a:fillRef>
+            <a:effectRef idx="0">
+              <a:schemeClr val="accent1"/>
+            </a:effectRef>
+            <a:fontRef idx="minor">
+              <a:schemeClr val="tx1"/>
+            </a:fontRef>
+          </p:style>
+        </p:cxnSp>
+        <p:sp>
+          <p:nvSpPr>
+            <p:cNvPr id="209" name="矩形 208"/>
+            <p:cNvSpPr/>
+            <p:nvPr/>
+          </p:nvSpPr>
+          <p:spPr>
+            <a:xfrm>
+              <a:off x="6755856" y="8958392"/>
+              <a:ext cx="5598538" cy="364577"/>
+            </a:xfrm>
+            <a:prstGeom prst="rect">
+              <a:avLst/>
+            </a:prstGeom>
+            <a:noFill/>
+            <a:ln>
+              <a:noFill/>
+            </a:ln>
+          </p:spPr>
+          <p:style>
+            <a:lnRef idx="2">
+              <a:schemeClr val="accent1">
+                <a:shade val="50000"/>
+              </a:schemeClr>
+            </a:lnRef>
+            <a:fillRef idx="1">
+              <a:schemeClr val="accent1"/>
+            </a:fillRef>
+            <a:effectRef idx="0">
+              <a:schemeClr val="accent1"/>
+            </a:effectRef>
+            <a:fontRef idx="minor">
+              <a:schemeClr val="lt1"/>
+            </a:fontRef>
+          </p:style>
+          <p:txBody>
+            <a:bodyPr rtlCol="0" anchor="ctr"/>
+            <a:lstStyle/>
+            <a:p>
+              <a:pPr algn="ctr"/>
+              <a:r>
+                <a:rPr lang="en-US" altLang="zh-TW" sz="2800" dirty="0" smtClean="0">
+                  <a:ln w="9525">
+                    <a:noFill/>
+                  </a:ln>
+                  <a:latin typeface="SauceCodePro Nerd Font" panose="020B0509030403020204" pitchFamily="49" charset="0"/>
+                  <a:ea typeface="SauceCodePro Nerd Font" panose="020B0509030403020204" pitchFamily="49" charset="0"/>
+                </a:rPr>
+                <a:t>Flatten &amp; Concatenate</a:t>
+              </a:r>
+            </a:p>
+          </p:txBody>
+        </p:sp>
+        <p:sp>
+          <p:nvSpPr>
+            <p:cNvPr id="54" name="矩形 53"/>
+            <p:cNvSpPr/>
+            <p:nvPr/>
+          </p:nvSpPr>
+          <p:spPr>
+            <a:xfrm>
+              <a:off x="8161005" y="3994890"/>
+              <a:ext cx="1925279" cy="364577"/>
+            </a:xfrm>
+            <a:prstGeom prst="rect">
+              <a:avLst/>
+            </a:prstGeom>
+            <a:noFill/>
+            <a:ln>
+              <a:noFill/>
+            </a:ln>
+          </p:spPr>
+          <p:style>
+            <a:lnRef idx="2">
+              <a:schemeClr val="accent1">
+                <a:shade val="50000"/>
+              </a:schemeClr>
+            </a:lnRef>
+            <a:fillRef idx="1">
+              <a:schemeClr val="accent1"/>
+            </a:fillRef>
+            <a:effectRef idx="0">
+              <a:schemeClr val="accent1"/>
+            </a:effectRef>
+            <a:fontRef idx="minor">
+              <a:schemeClr val="lt1"/>
+            </a:fontRef>
+          </p:style>
+          <p:txBody>
+            <a:bodyPr rtlCol="0" anchor="ctr"/>
+            <a:lstStyle/>
+            <a:p>
+              <a:pPr algn="ctr"/>
+              <a:r>
+                <a:rPr lang="en-US" altLang="zh-TW" sz="3200" dirty="0" smtClean="0">
+                  <a:ln w="9525">
+                    <a:noFill/>
+                  </a:ln>
+                  <a:latin typeface="SauceCodePro Nerd Font" panose="020B0509030403020204" pitchFamily="49" charset="0"/>
+                  <a:ea typeface="SauceCodePro Nerd Font" panose="020B0509030403020204" pitchFamily="49" charset="0"/>
+                </a:rPr>
+                <a:t>Content</a:t>
+              </a:r>
+            </a:p>
+          </p:txBody>
+        </p:sp>
+        <p:sp>
+          <p:nvSpPr>
+            <p:cNvPr id="55" name="矩形 54"/>
+            <p:cNvSpPr/>
+            <p:nvPr/>
+          </p:nvSpPr>
+          <p:spPr>
+            <a:xfrm>
+              <a:off x="8240348" y="6603648"/>
+              <a:ext cx="2189895" cy="364577"/>
+            </a:xfrm>
+            <a:prstGeom prst="rect">
+              <a:avLst/>
+            </a:prstGeom>
+            <a:noFill/>
+            <a:ln>
+              <a:noFill/>
+            </a:ln>
+          </p:spPr>
+          <p:style>
+            <a:lnRef idx="2">
+              <a:schemeClr val="accent1">
+                <a:shade val="50000"/>
+              </a:schemeClr>
+            </a:lnRef>
+            <a:fillRef idx="1">
+              <a:schemeClr val="accent1"/>
+            </a:fillRef>
+            <a:effectRef idx="0">
+              <a:schemeClr val="accent1"/>
+            </a:effectRef>
+            <a:fontRef idx="minor">
+              <a:schemeClr val="lt1"/>
+            </a:fontRef>
+          </p:style>
+          <p:txBody>
+            <a:bodyPr rtlCol="0" anchor="ctr"/>
+            <a:lstStyle/>
+            <a:p>
+              <a:pPr algn="ctr"/>
+              <a:r>
+                <a:rPr lang="en-US" altLang="zh-TW" sz="3200" dirty="0" smtClean="0">
+                  <a:ln w="9525">
+                    <a:noFill/>
+                  </a:ln>
+                  <a:latin typeface="SauceCodePro Nerd Font" panose="020B0509030403020204" pitchFamily="49" charset="0"/>
+                  <a:ea typeface="SauceCodePro Nerd Font" panose="020B0509030403020204" pitchFamily="49" charset="0"/>
+                </a:rPr>
+                <a:t>Position</a:t>
+              </a:r>
+            </a:p>
+          </p:txBody>
+        </p:sp>
+      </p:grpSp>
+      <p:grpSp>
+        <p:nvGrpSpPr>
+          <p:cNvPr id="22" name="群組 21"/>
+          <p:cNvGrpSpPr/>
+          <p:nvPr/>
+        </p:nvGrpSpPr>
+        <p:grpSpPr>
+          <a:xfrm>
+            <a:off x="3385483" y="11445171"/>
+            <a:ext cx="13506617" cy="6682413"/>
+            <a:chOff x="3385483" y="11445171"/>
+            <a:chExt cx="13506617" cy="6682413"/>
+          </a:xfrm>
+        </p:grpSpPr>
+        <p:sp>
+          <p:nvSpPr>
+            <p:cNvPr id="217" name="圓角矩形 216"/>
+            <p:cNvSpPr/>
+            <p:nvPr/>
+          </p:nvSpPr>
+          <p:spPr>
+            <a:xfrm>
+              <a:off x="3385483" y="11445171"/>
+              <a:ext cx="13506617" cy="6682413"/>
+            </a:xfrm>
+            <a:prstGeom prst="roundRect">
+              <a:avLst>
+                <a:gd name="adj" fmla="val 7032"/>
+              </a:avLst>
+            </a:prstGeom>
+            <a:solidFill>
+              <a:srgbClr val="282828"/>
+            </a:solidFill>
+            <a:ln>
+              <a:solidFill>
+                <a:schemeClr val="bg1"/>
+              </a:solidFill>
+            </a:ln>
+          </p:spPr>
+          <p:style>
+            <a:lnRef idx="2">
+              <a:schemeClr val="accent1">
+                <a:shade val="50000"/>
+              </a:schemeClr>
+            </a:lnRef>
+            <a:fillRef idx="1">
+              <a:schemeClr val="accent1"/>
+            </a:fillRef>
+            <a:effectRef idx="0">
+              <a:schemeClr val="accent1"/>
+            </a:effectRef>
+            <a:fontRef idx="minor">
+              <a:schemeClr val="lt1"/>
+            </a:fontRef>
+          </p:style>
+          <p:txBody>
+            <a:bodyPr rtlCol="0" anchor="ctr"/>
+            <a:lstStyle/>
+            <a:p>
+              <a:pPr algn="ctr"/>
+              <a:endParaRPr lang="zh-TW" altLang="en-US"/>
+            </a:p>
+          </p:txBody>
+        </p:sp>
+        <p:sp>
+          <p:nvSpPr>
+            <p:cNvPr id="88" name="立方體 87"/>
+            <p:cNvSpPr/>
+            <p:nvPr/>
+          </p:nvSpPr>
+          <p:spPr>
+            <a:xfrm>
+              <a:off x="3733352" y="13160225"/>
+              <a:ext cx="1506695" cy="1506695"/>
+            </a:xfrm>
+            <a:prstGeom prst="cube">
+              <a:avLst>
+                <a:gd name="adj" fmla="val 78342"/>
+              </a:avLst>
+            </a:prstGeom>
+            <a:solidFill>
+              <a:srgbClr val="0070C0"/>
+            </a:solidFill>
+            <a:ln w="19050">
+              <a:solidFill>
+                <a:schemeClr val="accent2"/>
+              </a:solidFill>
+            </a:ln>
+          </p:spPr>
+          <p:style>
+            <a:lnRef idx="2">
+              <a:schemeClr val="accent1">
+                <a:shade val="50000"/>
+              </a:schemeClr>
+            </a:lnRef>
+            <a:fillRef idx="1">
+              <a:schemeClr val="accent1"/>
+            </a:fillRef>
+            <a:effectRef idx="0">
+              <a:schemeClr val="accent1"/>
+            </a:effectRef>
+            <a:fontRef idx="minor">
+              <a:schemeClr val="lt1"/>
+            </a:fontRef>
+          </p:style>
+          <p:txBody>
+            <a:bodyPr rtlCol="0" anchor="ctr"/>
+            <a:lstStyle/>
+            <a:p>
+              <a:pPr algn="ctr"/>
+              <a:endParaRPr lang="zh-TW" altLang="en-US"/>
+            </a:p>
+          </p:txBody>
+        </p:sp>
+        <p:cxnSp>
+          <p:nvCxnSpPr>
+            <p:cNvPr id="112" name="直線單箭頭接點 111"/>
+            <p:cNvCxnSpPr>
+              <a:stCxn id="88" idx="4"/>
+              <a:endCxn id="130" idx="0"/>
+            </p:cNvCxnSpPr>
+            <p:nvPr/>
+          </p:nvCxnSpPr>
+          <p:spPr>
+            <a:xfrm>
+              <a:off x="4059672" y="14503760"/>
+              <a:ext cx="2111066" cy="1247410"/>
+            </a:xfrm>
+            <a:prstGeom prst="bentConnector3">
+              <a:avLst>
+                <a:gd name="adj1" fmla="val 50000"/>
+              </a:avLst>
+            </a:prstGeom>
+            <a:ln w="57150">
+              <a:gradFill>
+                <a:gsLst>
+                  <a:gs pos="0">
+                    <a:schemeClr val="accent2"/>
+                  </a:gs>
+                  <a:gs pos="92000">
+                    <a:srgbClr val="21C5FF"/>
+                  </a:gs>
+                </a:gsLst>
+                <a:lin ang="5400000" scaled="0"/>
+              </a:gradFill>
+              <a:tailEnd type="triangle"/>
+            </a:ln>
+          </p:spPr>
+          <p:style>
+            <a:lnRef idx="1">
+              <a:schemeClr val="accent1"/>
+            </a:lnRef>
+            <a:fillRef idx="0">
+              <a:schemeClr val="accent1"/>
+            </a:fillRef>
+            <a:effectRef idx="0">
+              <a:schemeClr val="accent1"/>
+            </a:effectRef>
+            <a:fontRef idx="minor">
+              <a:schemeClr val="tx1"/>
+            </a:fontRef>
+          </p:style>
+        </p:cxnSp>
+        <p:sp>
+          <p:nvSpPr>
+            <p:cNvPr id="129" name="梯形 128"/>
+            <p:cNvSpPr/>
+            <p:nvPr/>
+          </p:nvSpPr>
+          <p:spPr>
+            <a:xfrm rot="16200000">
+              <a:off x="6009648" y="12335105"/>
+              <a:ext cx="1739557" cy="1417378"/>
+            </a:xfrm>
+            <a:prstGeom prst="trapezoid">
+              <a:avLst>
+                <a:gd name="adj" fmla="val 36433"/>
+              </a:avLst>
+            </a:prstGeom>
+            <a:solidFill>
+              <a:schemeClr val="accent4"/>
+            </a:solidFill>
+            <a:ln w="19050">
+              <a:solidFill>
+                <a:srgbClr val="21C5FF"/>
+              </a:solidFill>
+            </a:ln>
+          </p:spPr>
+          <p:style>
+            <a:lnRef idx="2">
+              <a:schemeClr val="accent1">
+                <a:shade val="50000"/>
+              </a:schemeClr>
+            </a:lnRef>
+            <a:fillRef idx="1">
+              <a:schemeClr val="accent1"/>
+            </a:fillRef>
+            <a:effectRef idx="0">
+              <a:schemeClr val="accent1"/>
+            </a:effectRef>
+            <a:fontRef idx="minor">
+              <a:schemeClr val="lt1"/>
+            </a:fontRef>
+          </p:style>
+          <p:txBody>
+            <a:bodyPr rtlCol="0" anchor="ctr"/>
+            <a:lstStyle/>
+            <a:p>
+              <a:pPr algn="ctr"/>
+              <a:endParaRPr lang="zh-TW" altLang="en-US"/>
+            </a:p>
+          </p:txBody>
+        </p:sp>
+        <p:sp>
+          <p:nvSpPr>
+            <p:cNvPr id="130" name="梯形 129"/>
+            <p:cNvSpPr/>
+            <p:nvPr/>
+          </p:nvSpPr>
+          <p:spPr>
+            <a:xfrm rot="16200000">
+              <a:off x="6009648" y="15042481"/>
+              <a:ext cx="1739557" cy="1417378"/>
+            </a:xfrm>
+            <a:prstGeom prst="trapezoid">
+              <a:avLst>
+                <a:gd name="adj" fmla="val 36433"/>
+              </a:avLst>
+            </a:prstGeom>
+            <a:solidFill>
+              <a:schemeClr val="accent4"/>
+            </a:solidFill>
+            <a:ln w="19050">
+              <a:solidFill>
+                <a:srgbClr val="21C5FF"/>
+              </a:solidFill>
+            </a:ln>
+          </p:spPr>
+          <p:style>
+            <a:lnRef idx="2">
+              <a:schemeClr val="accent1">
+                <a:shade val="50000"/>
+              </a:schemeClr>
+            </a:lnRef>
+            <a:fillRef idx="1">
+              <a:schemeClr val="accent1"/>
+            </a:fillRef>
+            <a:effectRef idx="0">
+              <a:schemeClr val="accent1"/>
+            </a:effectRef>
+            <a:fontRef idx="minor">
+              <a:schemeClr val="lt1"/>
+            </a:fontRef>
+          </p:style>
+          <p:txBody>
+            <a:bodyPr rtlCol="0" anchor="ctr"/>
+            <a:lstStyle/>
+            <a:p>
+              <a:pPr algn="ctr"/>
+              <a:endParaRPr lang="zh-TW" altLang="en-US"/>
+            </a:p>
+          </p:txBody>
+        </p:sp>
+        <p:cxnSp>
+          <p:nvCxnSpPr>
+            <p:cNvPr id="137" name="直線單箭頭接點 111"/>
+            <p:cNvCxnSpPr>
+              <a:stCxn id="88" idx="4"/>
+              <a:endCxn id="129" idx="0"/>
+            </p:cNvCxnSpPr>
+            <p:nvPr/>
+          </p:nvCxnSpPr>
+          <p:spPr>
+            <a:xfrm flipV="1">
+              <a:off x="4059672" y="13043794"/>
+              <a:ext cx="2111066" cy="1459966"/>
+            </a:xfrm>
+            <a:prstGeom prst="bentConnector3">
+              <a:avLst>
+                <a:gd name="adj1" fmla="val 50000"/>
+              </a:avLst>
+            </a:prstGeom>
+            <a:ln w="57150">
+              <a:gradFill>
+                <a:gsLst>
+                  <a:gs pos="0">
+                    <a:schemeClr val="accent2"/>
+                  </a:gs>
+                  <a:gs pos="92000">
+                    <a:srgbClr val="21C5FF"/>
+                  </a:gs>
+                </a:gsLst>
+                <a:lin ang="5400000" scaled="0"/>
+              </a:gradFill>
+              <a:tailEnd type="triangle"/>
+            </a:ln>
+          </p:spPr>
+          <p:style>
+            <a:lnRef idx="1">
+              <a:schemeClr val="accent1"/>
+            </a:lnRef>
+            <a:fillRef idx="0">
+              <a:schemeClr val="accent1"/>
+            </a:fillRef>
+            <a:effectRef idx="0">
+              <a:schemeClr val="accent1"/>
+            </a:effectRef>
+            <a:fontRef idx="minor">
+              <a:schemeClr val="tx1"/>
+            </a:fontRef>
+          </p:style>
+        </p:cxnSp>
+        <p:sp>
+          <p:nvSpPr>
+            <p:cNvPr id="143" name="立方體 142"/>
+            <p:cNvSpPr/>
+            <p:nvPr/>
+          </p:nvSpPr>
+          <p:spPr>
+            <a:xfrm>
+              <a:off x="8278611" y="12281768"/>
+              <a:ext cx="1038469" cy="922591"/>
+            </a:xfrm>
+            <a:prstGeom prst="cube">
+              <a:avLst>
+                <a:gd name="adj" fmla="val 59991"/>
+              </a:avLst>
+            </a:prstGeom>
+            <a:ln w="19050">
+              <a:solidFill>
+                <a:schemeClr val="accent2"/>
+              </a:solidFill>
+            </a:ln>
+          </p:spPr>
+          <p:style>
+            <a:lnRef idx="2">
+              <a:schemeClr val="accent1">
+                <a:shade val="50000"/>
+              </a:schemeClr>
+            </a:lnRef>
+            <a:fillRef idx="1">
+              <a:schemeClr val="accent1"/>
+            </a:fillRef>
+            <a:effectRef idx="0">
+              <a:schemeClr val="accent1"/>
+            </a:effectRef>
+            <a:fontRef idx="minor">
+              <a:schemeClr val="lt1"/>
+            </a:fontRef>
+          </p:style>
+          <p:txBody>
+            <a:bodyPr rtlCol="0" anchor="ctr"/>
+            <a:lstStyle/>
+            <a:p>
+              <a:pPr algn="ctr"/>
+              <a:endParaRPr lang="zh-TW" altLang="en-US"/>
+            </a:p>
+          </p:txBody>
+        </p:sp>
+        <p:sp>
+          <p:nvSpPr>
+            <p:cNvPr id="144" name="立方體 143"/>
+            <p:cNvSpPr/>
+            <p:nvPr/>
+          </p:nvSpPr>
+          <p:spPr>
+            <a:xfrm>
+              <a:off x="8278611" y="15339932"/>
+              <a:ext cx="1155007" cy="667745"/>
+            </a:xfrm>
+            <a:prstGeom prst="cube">
+              <a:avLst>
+                <a:gd name="adj" fmla="val 17729"/>
+              </a:avLst>
+            </a:prstGeom>
+            <a:ln w="19050">
+              <a:solidFill>
+                <a:schemeClr val="accent2"/>
+              </a:solidFill>
+            </a:ln>
+          </p:spPr>
+          <p:style>
+            <a:lnRef idx="2">
+              <a:schemeClr val="accent1">
+                <a:shade val="50000"/>
+              </a:schemeClr>
+            </a:lnRef>
+            <a:fillRef idx="1">
+              <a:schemeClr val="accent1"/>
+            </a:fillRef>
+            <a:effectRef idx="0">
+              <a:schemeClr val="accent1"/>
+            </a:effectRef>
+            <a:fontRef idx="minor">
+              <a:schemeClr val="lt1"/>
+            </a:fontRef>
+          </p:style>
+          <p:txBody>
+            <a:bodyPr rtlCol="0" anchor="ctr"/>
+            <a:lstStyle/>
+            <a:p>
+              <a:pPr algn="ctr"/>
+              <a:endParaRPr lang="zh-TW" altLang="en-US"/>
+            </a:p>
+          </p:txBody>
+        </p:sp>
+        <p:sp>
+          <p:nvSpPr>
+            <p:cNvPr id="145" name="矩形 144"/>
+            <p:cNvSpPr/>
+            <p:nvPr/>
+          </p:nvSpPr>
+          <p:spPr>
+            <a:xfrm>
+              <a:off x="7876640" y="16101963"/>
+              <a:ext cx="1925279" cy="364577"/>
+            </a:xfrm>
+            <a:prstGeom prst="rect">
+              <a:avLst/>
+            </a:prstGeom>
+            <a:noFill/>
+            <a:ln>
+              <a:noFill/>
+            </a:ln>
+          </p:spPr>
+          <p:style>
+            <a:lnRef idx="2">
+              <a:schemeClr val="accent1">
+                <a:shade val="50000"/>
+              </a:schemeClr>
+            </a:lnRef>
+            <a:fillRef idx="1">
+              <a:schemeClr val="accent1"/>
+            </a:fillRef>
+            <a:effectRef idx="0">
+              <a:schemeClr val="accent1"/>
+            </a:effectRef>
+            <a:fontRef idx="minor">
+              <a:schemeClr val="lt1"/>
+            </a:fontRef>
+          </p:style>
+          <p:txBody>
+            <a:bodyPr rtlCol="0" anchor="ctr"/>
+            <a:lstStyle/>
+            <a:p>
+              <a:pPr algn="ctr"/>
+              <a:r>
+                <a:rPr lang="en-US" altLang="zh-TW" sz="3200" dirty="0" smtClean="0">
+                  <a:ln w="9525">
+                    <a:noFill/>
+                  </a:ln>
+                  <a:latin typeface="SauceCodePro Nerd Font" panose="020B0509030403020204" pitchFamily="49" charset="0"/>
+                  <a:ea typeface="SauceCodePro Nerd Font" panose="020B0509030403020204" pitchFamily="49" charset="0"/>
+                </a:rPr>
+                <a:t>(8,16,1)</a:t>
+              </a:r>
+            </a:p>
+          </p:txBody>
+        </p:sp>
+        <p:sp>
+          <p:nvSpPr>
+            <p:cNvPr id="146" name="矩形 145"/>
+            <p:cNvSpPr/>
+            <p:nvPr/>
+          </p:nvSpPr>
+          <p:spPr>
+            <a:xfrm>
+              <a:off x="7791719" y="13367187"/>
+              <a:ext cx="1925279" cy="364577"/>
+            </a:xfrm>
+            <a:prstGeom prst="rect">
+              <a:avLst/>
+            </a:prstGeom>
+            <a:noFill/>
+            <a:ln>
+              <a:noFill/>
+            </a:ln>
+          </p:spPr>
+          <p:style>
+            <a:lnRef idx="2">
+              <a:schemeClr val="accent1">
+                <a:shade val="50000"/>
+              </a:schemeClr>
+            </a:lnRef>
+            <a:fillRef idx="1">
+              <a:schemeClr val="accent1"/>
+            </a:fillRef>
+            <a:effectRef idx="0">
+              <a:schemeClr val="accent1"/>
+            </a:effectRef>
+            <a:fontRef idx="minor">
+              <a:schemeClr val="lt1"/>
+            </a:fontRef>
+          </p:style>
+          <p:txBody>
+            <a:bodyPr rtlCol="0" anchor="ctr"/>
+            <a:lstStyle/>
+            <a:p>
+              <a:pPr algn="ctr"/>
+              <a:r>
+                <a:rPr lang="en-US" altLang="zh-TW" sz="3200" dirty="0" smtClean="0">
+                  <a:ln w="9525">
+                    <a:noFill/>
+                  </a:ln>
+                  <a:latin typeface="SauceCodePro Nerd Font" panose="020B0509030403020204" pitchFamily="49" charset="0"/>
+                  <a:ea typeface="SauceCodePro Nerd Font" panose="020B0509030403020204" pitchFamily="49" charset="0"/>
+                </a:rPr>
+                <a:t>(2,4,32)</a:t>
+              </a:r>
+            </a:p>
+          </p:txBody>
+        </p:sp>
+        <p:sp>
+          <p:nvSpPr>
+            <p:cNvPr id="147" name="立方體 146"/>
+            <p:cNvSpPr/>
+            <p:nvPr/>
+          </p:nvSpPr>
+          <p:spPr>
+            <a:xfrm>
+              <a:off x="10357037" y="12121670"/>
+              <a:ext cx="1678132" cy="1175511"/>
+            </a:xfrm>
+            <a:prstGeom prst="cube">
+              <a:avLst>
+                <a:gd name="adj" fmla="val 53980"/>
+              </a:avLst>
+            </a:prstGeom>
+            <a:ln w="19050">
+              <a:solidFill>
+                <a:schemeClr val="accent2"/>
+              </a:solidFill>
+            </a:ln>
+          </p:spPr>
+          <p:style>
+            <a:lnRef idx="2">
+              <a:schemeClr val="accent1">
+                <a:shade val="50000"/>
+              </a:schemeClr>
+            </a:lnRef>
+            <a:fillRef idx="1">
+              <a:schemeClr val="accent1"/>
+            </a:fillRef>
+            <a:effectRef idx="0">
+              <a:schemeClr val="accent1"/>
+            </a:effectRef>
+            <a:fontRef idx="minor">
+              <a:schemeClr val="lt1"/>
+            </a:fontRef>
+          </p:style>
+          <p:txBody>
+            <a:bodyPr rtlCol="0" anchor="ctr"/>
+            <a:lstStyle/>
+            <a:p>
+              <a:pPr algn="ctr"/>
+              <a:endParaRPr lang="zh-TW" altLang="en-US"/>
+            </a:p>
+          </p:txBody>
+        </p:sp>
+        <p:cxnSp>
+          <p:nvCxnSpPr>
+            <p:cNvPr id="148" name="直線單箭頭接點 147"/>
+            <p:cNvCxnSpPr>
+              <a:stCxn id="143" idx="4"/>
+              <a:endCxn id="147" idx="2"/>
+            </p:cNvCxnSpPr>
+            <p:nvPr/>
+          </p:nvCxnSpPr>
+          <p:spPr>
+            <a:xfrm>
+              <a:off x="8763608" y="13019799"/>
+              <a:ext cx="1593429" cy="6897"/>
+            </a:xfrm>
+            <a:prstGeom prst="straightConnector1">
+              <a:avLst/>
+            </a:prstGeom>
+            <a:ln w="57150">
+              <a:solidFill>
+                <a:schemeClr val="accent6"/>
+              </a:solidFill>
+              <a:tailEnd type="triangle"/>
+            </a:ln>
+          </p:spPr>
+          <p:style>
+            <a:lnRef idx="1">
+              <a:schemeClr val="accent1"/>
+            </a:lnRef>
+            <a:fillRef idx="0">
+              <a:schemeClr val="accent1"/>
+            </a:fillRef>
+            <a:effectRef idx="0">
+              <a:schemeClr val="accent1"/>
+            </a:effectRef>
+            <a:fontRef idx="minor">
+              <a:schemeClr val="tx1"/>
+            </a:fontRef>
+          </p:style>
+        </p:cxnSp>
+        <p:sp>
+          <p:nvSpPr>
+            <p:cNvPr id="156" name="矩形 155"/>
+            <p:cNvSpPr/>
+            <p:nvPr/>
+          </p:nvSpPr>
+          <p:spPr>
+            <a:xfrm>
+              <a:off x="10021053" y="13599773"/>
+              <a:ext cx="2324400" cy="364577"/>
+            </a:xfrm>
+            <a:prstGeom prst="rect">
+              <a:avLst/>
+            </a:prstGeom>
+            <a:noFill/>
+            <a:ln>
+              <a:noFill/>
+            </a:ln>
+          </p:spPr>
+          <p:style>
+            <a:lnRef idx="2">
+              <a:schemeClr val="accent1">
+                <a:shade val="50000"/>
+              </a:schemeClr>
+            </a:lnRef>
+            <a:fillRef idx="1">
+              <a:schemeClr val="accent1"/>
+            </a:fillRef>
+            <a:effectRef idx="0">
+              <a:schemeClr val="accent1"/>
+            </a:effectRef>
+            <a:fontRef idx="minor">
+              <a:schemeClr val="lt1"/>
+            </a:fontRef>
+          </p:style>
+          <p:txBody>
+            <a:bodyPr rtlCol="0" anchor="ctr"/>
+            <a:lstStyle/>
+            <a:p>
+              <a:pPr algn="ctr"/>
+              <a:r>
+                <a:rPr lang="en-US" altLang="zh-TW" sz="3200" dirty="0" smtClean="0">
+                  <a:ln w="9525">
+                    <a:noFill/>
+                  </a:ln>
+                  <a:latin typeface="SauceCodePro Nerd Font" panose="020B0509030403020204" pitchFamily="49" charset="0"/>
+                  <a:ea typeface="SauceCodePro Nerd Font" panose="020B0509030403020204" pitchFamily="49" charset="0"/>
+                </a:rPr>
+                <a:t>(8,16,64)</a:t>
+              </a:r>
+            </a:p>
+          </p:txBody>
+        </p:sp>
+        <p:sp>
+          <p:nvSpPr>
+            <p:cNvPr id="173" name="矩形 172"/>
+            <p:cNvSpPr/>
+            <p:nvPr/>
+          </p:nvSpPr>
+          <p:spPr>
+            <a:xfrm>
+              <a:off x="3517466" y="14749251"/>
+              <a:ext cx="1345505" cy="364577"/>
+            </a:xfrm>
+            <a:prstGeom prst="rect">
+              <a:avLst/>
+            </a:prstGeom>
+            <a:noFill/>
+            <a:ln>
+              <a:noFill/>
+            </a:ln>
+          </p:spPr>
+          <p:style>
+            <a:lnRef idx="2">
+              <a:schemeClr val="accent1">
+                <a:shade val="50000"/>
+              </a:schemeClr>
+            </a:lnRef>
+            <a:fillRef idx="1">
+              <a:schemeClr val="accent1"/>
+            </a:fillRef>
+            <a:effectRef idx="0">
+              <a:schemeClr val="accent1"/>
+            </a:effectRef>
+            <a:fontRef idx="minor">
+              <a:schemeClr val="lt1"/>
+            </a:fontRef>
+          </p:style>
+          <p:txBody>
+            <a:bodyPr rtlCol="0" anchor="ctr"/>
+            <a:lstStyle/>
+            <a:p>
+              <a:pPr algn="ctr"/>
+              <a:r>
+                <a:rPr lang="en-US" altLang="zh-TW" sz="3200" dirty="0" smtClean="0">
+                  <a:ln w="9525">
+                    <a:noFill/>
+                  </a:ln>
+                  <a:latin typeface="SauceCodePro Nerd Font" panose="020B0509030403020204" pitchFamily="49" charset="0"/>
+                  <a:ea typeface="SauceCodePro Nerd Font" panose="020B0509030403020204" pitchFamily="49" charset="0"/>
+                </a:rPr>
+                <a:t>(512)</a:t>
+              </a:r>
+            </a:p>
+          </p:txBody>
+        </p:sp>
+        <p:cxnSp>
+          <p:nvCxnSpPr>
+            <p:cNvPr id="175" name="直線單箭頭接點 62"/>
+            <p:cNvCxnSpPr>
+              <a:stCxn id="129" idx="2"/>
+              <a:endCxn id="143" idx="2"/>
+            </p:cNvCxnSpPr>
+            <p:nvPr/>
+          </p:nvCxnSpPr>
+          <p:spPr>
+            <a:xfrm flipV="1">
+              <a:off x="7588116" y="13019799"/>
+              <a:ext cx="690495" cy="23995"/>
+            </a:xfrm>
+            <a:prstGeom prst="straightConnector1">
+              <a:avLst/>
+            </a:prstGeom>
+            <a:ln w="57150">
+              <a:gradFill>
+                <a:gsLst>
+                  <a:gs pos="0">
+                    <a:srgbClr val="00B0F0"/>
+                  </a:gs>
+                  <a:gs pos="58000">
+                    <a:schemeClr val="accent2"/>
+                  </a:gs>
+                </a:gsLst>
+                <a:lin ang="0" scaled="0"/>
+              </a:gradFill>
+              <a:tailEnd type="triangle"/>
+            </a:ln>
+          </p:spPr>
+          <p:style>
+            <a:lnRef idx="1">
+              <a:schemeClr val="accent1"/>
+            </a:lnRef>
+            <a:fillRef idx="0">
+              <a:schemeClr val="accent1"/>
+            </a:fillRef>
+            <a:effectRef idx="0">
+              <a:schemeClr val="accent1"/>
+            </a:effectRef>
+            <a:fontRef idx="minor">
+              <a:schemeClr val="tx1"/>
+            </a:fontRef>
+          </p:style>
+        </p:cxnSp>
+        <p:cxnSp>
+          <p:nvCxnSpPr>
+            <p:cNvPr id="178" name="直線單箭頭接點 62"/>
+            <p:cNvCxnSpPr>
+              <a:stCxn id="130" idx="2"/>
+              <a:endCxn id="144" idx="2"/>
+            </p:cNvCxnSpPr>
+            <p:nvPr/>
+          </p:nvCxnSpPr>
+          <p:spPr>
+            <a:xfrm flipV="1">
+              <a:off x="7588116" y="15732997"/>
+              <a:ext cx="690495" cy="18173"/>
+            </a:xfrm>
+            <a:prstGeom prst="straightConnector1">
+              <a:avLst/>
+            </a:prstGeom>
+            <a:ln w="57150">
+              <a:gradFill>
+                <a:gsLst>
+                  <a:gs pos="0">
+                    <a:srgbClr val="00B0F0"/>
+                  </a:gs>
+                  <a:gs pos="58000">
+                    <a:schemeClr val="accent2"/>
+                  </a:gs>
+                </a:gsLst>
+                <a:lin ang="0" scaled="0"/>
+              </a:gradFill>
+              <a:tailEnd type="triangle"/>
+            </a:ln>
+          </p:spPr>
+          <p:style>
+            <a:lnRef idx="1">
+              <a:schemeClr val="accent1"/>
+            </a:lnRef>
+            <a:fillRef idx="0">
+              <a:schemeClr val="accent1"/>
+            </a:fillRef>
+            <a:effectRef idx="0">
+              <a:schemeClr val="accent1"/>
+            </a:effectRef>
+            <a:fontRef idx="minor">
+              <a:schemeClr val="tx1"/>
+            </a:fontRef>
+          </p:style>
+        </p:cxnSp>
+        <p:cxnSp>
+          <p:nvCxnSpPr>
+            <p:cNvPr id="184" name="直線單箭頭接點 62"/>
+            <p:cNvCxnSpPr>
+              <a:stCxn id="147" idx="4"/>
+              <a:endCxn id="188" idx="0"/>
+            </p:cNvCxnSpPr>
+            <p:nvPr/>
+          </p:nvCxnSpPr>
+          <p:spPr>
+            <a:xfrm>
+              <a:off x="11400628" y="13026696"/>
+              <a:ext cx="1332666" cy="1260568"/>
+            </a:xfrm>
+            <a:prstGeom prst="bentConnector2">
+              <a:avLst/>
+            </a:prstGeom>
+            <a:ln w="57150">
+              <a:solidFill>
+                <a:schemeClr val="accent2"/>
+              </a:solidFill>
+              <a:tailEnd type="triangle"/>
+            </a:ln>
+          </p:spPr>
+          <p:style>
+            <a:lnRef idx="1">
+              <a:schemeClr val="accent1"/>
+            </a:lnRef>
+            <a:fillRef idx="0">
+              <a:schemeClr val="accent1"/>
+            </a:fillRef>
+            <a:effectRef idx="0">
+              <a:schemeClr val="accent1"/>
+            </a:effectRef>
+            <a:fontRef idx="minor">
+              <a:schemeClr val="tx1"/>
+            </a:fontRef>
+          </p:style>
+        </p:cxnSp>
+        <p:cxnSp>
+          <p:nvCxnSpPr>
+            <p:cNvPr id="186" name="直線單箭頭接點 62"/>
+            <p:cNvCxnSpPr>
+              <a:stCxn id="144" idx="4"/>
+              <a:endCxn id="188" idx="2"/>
+            </p:cNvCxnSpPr>
+            <p:nvPr/>
+          </p:nvCxnSpPr>
+          <p:spPr>
+            <a:xfrm flipV="1">
+              <a:off x="9315233" y="14651841"/>
+              <a:ext cx="3418061" cy="1081156"/>
+            </a:xfrm>
+            <a:prstGeom prst="bentConnector2">
+              <a:avLst/>
+            </a:prstGeom>
+            <a:ln w="57150">
+              <a:solidFill>
+                <a:schemeClr val="accent2"/>
+              </a:solidFill>
+              <a:tailEnd type="triangle"/>
+            </a:ln>
+          </p:spPr>
+          <p:style>
+            <a:lnRef idx="1">
+              <a:schemeClr val="accent1"/>
+            </a:lnRef>
+            <a:fillRef idx="0">
+              <a:schemeClr val="accent1"/>
+            </a:fillRef>
+            <a:effectRef idx="0">
+              <a:schemeClr val="accent1"/>
+            </a:effectRef>
+            <a:fontRef idx="minor">
+              <a:schemeClr val="tx1"/>
+            </a:fontRef>
+          </p:style>
+        </p:cxnSp>
+        <p:sp>
+          <p:nvSpPr>
+            <p:cNvPr id="188" name="矩形 187"/>
+            <p:cNvSpPr/>
+            <p:nvPr/>
+          </p:nvSpPr>
+          <p:spPr>
+            <a:xfrm>
+              <a:off x="12451124" y="14287264"/>
+              <a:ext cx="564339" cy="364577"/>
+            </a:xfrm>
+            <a:prstGeom prst="rect">
+              <a:avLst/>
+            </a:prstGeom>
+            <a:noFill/>
+            <a:ln>
+              <a:noFill/>
+            </a:ln>
+          </p:spPr>
+          <p:style>
+            <a:lnRef idx="2">
+              <a:schemeClr val="accent1">
+                <a:shade val="50000"/>
+              </a:schemeClr>
+            </a:lnRef>
+            <a:fillRef idx="1">
+              <a:schemeClr val="accent1"/>
+            </a:fillRef>
+            <a:effectRef idx="0">
+              <a:schemeClr val="accent1"/>
+            </a:effectRef>
+            <a:fontRef idx="minor">
+              <a:schemeClr val="lt1"/>
+            </a:fontRef>
+          </p:style>
+          <p:txBody>
+            <a:bodyPr rtlCol="0" anchor="ctr"/>
+            <a:lstStyle/>
+            <a:p>
+              <a:pPr algn="ctr"/>
+              <a:r>
+                <a:rPr lang="en-US" altLang="zh-TW" sz="3200" dirty="0" smtClean="0">
+                  <a:ln w="9525">
+                    <a:noFill/>
+                  </a:ln>
+                  <a:latin typeface="SauceCodePro Nerd Font" panose="020B0509030403020204" pitchFamily="49" charset="0"/>
+                  <a:ea typeface="SauceCodePro Nerd Font" panose="020B0509030403020204" pitchFamily="49" charset="0"/>
+                </a:rPr>
+                <a:t>x</a:t>
+              </a:r>
+            </a:p>
+          </p:txBody>
+        </p:sp>
+        <p:sp>
+          <p:nvSpPr>
+            <p:cNvPr id="194" name="立方體 193"/>
+            <p:cNvSpPr/>
+            <p:nvPr/>
+          </p:nvSpPr>
+          <p:spPr>
+            <a:xfrm>
+              <a:off x="13436243" y="13567709"/>
+              <a:ext cx="1678132" cy="1175511"/>
+            </a:xfrm>
+            <a:prstGeom prst="cube">
+              <a:avLst>
+                <a:gd name="adj" fmla="val 53980"/>
+              </a:avLst>
+            </a:prstGeom>
+            <a:ln w="19050">
+              <a:solidFill>
+                <a:schemeClr val="accent2"/>
+              </a:solidFill>
+            </a:ln>
+          </p:spPr>
+          <p:style>
+            <a:lnRef idx="2">
+              <a:schemeClr val="accent1">
+                <a:shade val="50000"/>
+              </a:schemeClr>
+            </a:lnRef>
+            <a:fillRef idx="1">
+              <a:schemeClr val="accent1"/>
+            </a:fillRef>
+            <a:effectRef idx="0">
+              <a:schemeClr val="accent1"/>
+            </a:effectRef>
+            <a:fontRef idx="minor">
+              <a:schemeClr val="lt1"/>
+            </a:fontRef>
+          </p:style>
+          <p:txBody>
+            <a:bodyPr rtlCol="0" anchor="ctr"/>
+            <a:lstStyle/>
+            <a:p>
+              <a:pPr algn="ctr"/>
+              <a:endParaRPr lang="zh-TW" altLang="en-US"/>
+            </a:p>
+          </p:txBody>
+        </p:sp>
+        <p:sp>
+          <p:nvSpPr>
+            <p:cNvPr id="195" name="梯形 194"/>
+            <p:cNvSpPr/>
+            <p:nvPr/>
+          </p:nvSpPr>
+          <p:spPr>
+            <a:xfrm rot="16200000">
+              <a:off x="15059666" y="13760862"/>
+              <a:ext cx="1739557" cy="1417378"/>
+            </a:xfrm>
+            <a:prstGeom prst="trapezoid">
+              <a:avLst>
+                <a:gd name="adj" fmla="val 36433"/>
+              </a:avLst>
+            </a:prstGeom>
+            <a:solidFill>
+              <a:schemeClr val="accent4"/>
+            </a:solidFill>
+            <a:ln w="19050">
+              <a:solidFill>
+                <a:srgbClr val="21C5FF"/>
+              </a:solidFill>
+            </a:ln>
+          </p:spPr>
+          <p:style>
+            <a:lnRef idx="2">
+              <a:schemeClr val="accent1">
+                <a:shade val="50000"/>
+              </a:schemeClr>
+            </a:lnRef>
+            <a:fillRef idx="1">
+              <a:schemeClr val="accent1"/>
+            </a:fillRef>
+            <a:effectRef idx="0">
+              <a:schemeClr val="accent1"/>
+            </a:effectRef>
+            <a:fontRef idx="minor">
+              <a:schemeClr val="lt1"/>
+            </a:fontRef>
+          </p:style>
+          <p:txBody>
+            <a:bodyPr rtlCol="0" anchor="ctr"/>
+            <a:lstStyle/>
+            <a:p>
+              <a:pPr algn="ctr"/>
+              <a:endParaRPr lang="zh-TW" altLang="en-US"/>
+            </a:p>
+          </p:txBody>
+        </p:sp>
+        <p:cxnSp>
+          <p:nvCxnSpPr>
+            <p:cNvPr id="197" name="直線單箭頭接點 62"/>
+            <p:cNvCxnSpPr>
+              <a:stCxn id="188" idx="3"/>
+              <a:endCxn id="194" idx="2"/>
+            </p:cNvCxnSpPr>
+            <p:nvPr/>
+          </p:nvCxnSpPr>
+          <p:spPr>
+            <a:xfrm>
+              <a:off x="13015463" y="14469553"/>
+              <a:ext cx="420780" cy="3182"/>
+            </a:xfrm>
+            <a:prstGeom prst="straightConnector1">
+              <a:avLst/>
+            </a:prstGeom>
+            <a:ln w="57150">
+              <a:solidFill>
+                <a:schemeClr val="accent2"/>
+              </a:solidFill>
+              <a:tailEnd type="triangle"/>
+            </a:ln>
+          </p:spPr>
+          <p:style>
+            <a:lnRef idx="1">
+              <a:schemeClr val="accent1"/>
+            </a:lnRef>
+            <a:fillRef idx="0">
+              <a:schemeClr val="accent1"/>
+            </a:fillRef>
+            <a:effectRef idx="0">
+              <a:schemeClr val="accent1"/>
+            </a:effectRef>
+            <a:fontRef idx="minor">
+              <a:schemeClr val="tx1"/>
+            </a:fontRef>
+          </p:style>
+        </p:cxnSp>
+        <p:cxnSp>
+          <p:nvCxnSpPr>
+            <p:cNvPr id="200" name="直線單箭頭接點 111"/>
+            <p:cNvCxnSpPr>
+              <a:stCxn id="194" idx="4"/>
+              <a:endCxn id="195" idx="0"/>
+            </p:cNvCxnSpPr>
+            <p:nvPr/>
+          </p:nvCxnSpPr>
+          <p:spPr>
+            <a:xfrm flipV="1">
+              <a:off x="14479834" y="14469551"/>
+              <a:ext cx="740922" cy="3184"/>
+            </a:xfrm>
+            <a:prstGeom prst="straightConnector1">
+              <a:avLst/>
+            </a:prstGeom>
+            <a:ln w="57150">
+              <a:gradFill>
+                <a:gsLst>
+                  <a:gs pos="0">
+                    <a:schemeClr val="accent2"/>
+                  </a:gs>
+                  <a:gs pos="92000">
+                    <a:srgbClr val="21C5FF"/>
+                  </a:gs>
+                </a:gsLst>
+                <a:lin ang="0" scaled="0"/>
+              </a:gradFill>
+              <a:tailEnd type="triangle"/>
+            </a:ln>
+          </p:spPr>
+          <p:style>
+            <a:lnRef idx="1">
+              <a:schemeClr val="accent1"/>
+            </a:lnRef>
+            <a:fillRef idx="0">
+              <a:schemeClr val="accent1"/>
+            </a:fillRef>
+            <a:effectRef idx="0">
+              <a:schemeClr val="accent1"/>
+            </a:effectRef>
+            <a:fontRef idx="minor">
+              <a:schemeClr val="tx1"/>
+            </a:fontRef>
+          </p:style>
+        </p:cxnSp>
+        <p:cxnSp>
+          <p:nvCxnSpPr>
+            <p:cNvPr id="215" name="直線單箭頭接點 62"/>
+            <p:cNvCxnSpPr/>
+            <p:nvPr/>
+          </p:nvCxnSpPr>
+          <p:spPr>
+            <a:xfrm>
+              <a:off x="6924881" y="17796488"/>
+              <a:ext cx="5162056" cy="9857"/>
+            </a:xfrm>
+            <a:prstGeom prst="straightConnector1">
+              <a:avLst/>
+            </a:prstGeom>
+            <a:ln w="88900">
+              <a:solidFill>
+                <a:srgbClr val="70AD47"/>
+              </a:solidFill>
+              <a:tailEnd type="triangle"/>
+            </a:ln>
+          </p:spPr>
+          <p:style>
+            <a:lnRef idx="1">
+              <a:schemeClr val="accent1"/>
+            </a:lnRef>
+            <a:fillRef idx="0">
+              <a:schemeClr val="accent1"/>
+            </a:fillRef>
+            <a:effectRef idx="0">
+              <a:schemeClr val="accent1"/>
+            </a:effectRef>
+            <a:fontRef idx="minor">
+              <a:schemeClr val="tx1"/>
+            </a:fontRef>
+          </p:style>
+        </p:cxnSp>
+        <p:sp>
+          <p:nvSpPr>
+            <p:cNvPr id="216" name="矩形 215"/>
+            <p:cNvSpPr/>
+            <p:nvPr/>
+          </p:nvSpPr>
+          <p:spPr>
+            <a:xfrm>
+              <a:off x="6788860" y="16942385"/>
+              <a:ext cx="5246309" cy="827151"/>
+            </a:xfrm>
+            <a:prstGeom prst="rect">
+              <a:avLst/>
+            </a:prstGeom>
+            <a:noFill/>
+            <a:ln>
+              <a:noFill/>
+            </a:ln>
+          </p:spPr>
+          <p:style>
+            <a:lnRef idx="2">
+              <a:schemeClr val="accent1">
+                <a:shade val="50000"/>
+              </a:schemeClr>
+            </a:lnRef>
+            <a:fillRef idx="1">
+              <a:schemeClr val="accent1"/>
+            </a:fillRef>
+            <a:effectRef idx="0">
+              <a:schemeClr val="accent1"/>
+            </a:effectRef>
+            <a:fontRef idx="minor">
+              <a:schemeClr val="lt1"/>
+            </a:fontRef>
+          </p:style>
+          <p:txBody>
+            <a:bodyPr rtlCol="0" anchor="ctr"/>
+            <a:lstStyle/>
+            <a:p>
+              <a:pPr algn="ctr"/>
+              <a:r>
+                <a:rPr lang="en-US" altLang="zh-TW" sz="2800" dirty="0" smtClean="0">
+                  <a:ln w="9525">
+                    <a:noFill/>
+                  </a:ln>
+                  <a:latin typeface="SauceCodePro Nerd Font" panose="020B0509030403020204" pitchFamily="49" charset="0"/>
+                  <a:ea typeface="SauceCodePro Nerd Font" panose="020B0509030403020204" pitchFamily="49" charset="0"/>
+                </a:rPr>
+                <a:t>Sub pixel </a:t>
+              </a:r>
+              <a:r>
+                <a:rPr lang="en-US" altLang="zh-TW" sz="2800" dirty="0" err="1" smtClean="0">
+                  <a:ln w="9525">
+                    <a:noFill/>
+                  </a:ln>
+                  <a:latin typeface="SauceCodePro Nerd Font" panose="020B0509030403020204" pitchFamily="49" charset="0"/>
+                  <a:ea typeface="SauceCodePro Nerd Font" panose="020B0509030403020204" pitchFamily="49" charset="0"/>
+                </a:rPr>
+                <a:t>conv</a:t>
+              </a:r>
+              <a:r>
+                <a:rPr lang="en-US" altLang="zh-TW" sz="2800" dirty="0" smtClean="0">
+                  <a:ln w="9525">
+                    <a:noFill/>
+                  </a:ln>
+                  <a:latin typeface="SauceCodePro Nerd Font" panose="020B0509030403020204" pitchFamily="49" charset="0"/>
+                  <a:ea typeface="SauceCodePro Nerd Font" panose="020B0509030403020204" pitchFamily="49" charset="0"/>
+                </a:rPr>
+                <a:t> </a:t>
+              </a:r>
+              <a:r>
+                <a:rPr lang="en-US" altLang="zh-TW" sz="2800" dirty="0">
+                  <a:ln w="9525">
+                    <a:noFill/>
+                  </a:ln>
+                  <a:latin typeface="SauceCodePro Nerd Font" panose="020B0509030403020204" pitchFamily="49" charset="0"/>
+                  <a:ea typeface="SauceCodePro Nerd Font" panose="020B0509030403020204" pitchFamily="49" charset="0"/>
+                </a:rPr>
+                <a:t>&amp; </a:t>
+              </a:r>
+              <a:r>
+                <a:rPr lang="en-US" altLang="zh-TW" sz="2800" dirty="0" smtClean="0">
+                  <a:ln w="9525">
+                    <a:noFill/>
+                  </a:ln>
+                  <a:latin typeface="SauceCodePro Nerd Font" panose="020B0509030403020204" pitchFamily="49" charset="0"/>
+                  <a:ea typeface="SauceCodePro Nerd Font" panose="020B0509030403020204" pitchFamily="49" charset="0"/>
+                </a:rPr>
+                <a:t>Bilinear </a:t>
+              </a:r>
+              <a:r>
+                <a:rPr lang="en-US" altLang="zh-TW" sz="2800" dirty="0">
+                  <a:ln w="9525">
+                    <a:noFill/>
+                  </a:ln>
+                  <a:latin typeface="SauceCodePro Nerd Font" panose="020B0509030403020204" pitchFamily="49" charset="0"/>
+                  <a:ea typeface="SauceCodePro Nerd Font" panose="020B0509030403020204" pitchFamily="49" charset="0"/>
+                </a:rPr>
+                <a:t>resize</a:t>
+              </a:r>
+              <a:endParaRPr lang="en-US" altLang="zh-TW" sz="2800" dirty="0" smtClean="0">
+                <a:ln w="9525">
+                  <a:noFill/>
+                </a:ln>
+                <a:latin typeface="SauceCodePro Nerd Font" panose="020B0509030403020204" pitchFamily="49" charset="0"/>
+                <a:ea typeface="SauceCodePro Nerd Font" panose="020B0509030403020204" pitchFamily="49" charset="0"/>
+              </a:endParaRPr>
+            </a:p>
+          </p:txBody>
+        </p:sp>
+        <p:sp>
+          <p:nvSpPr>
+            <p:cNvPr id="79" name="矩形 78"/>
+            <p:cNvSpPr/>
+            <p:nvPr/>
+          </p:nvSpPr>
+          <p:spPr>
+            <a:xfrm>
+              <a:off x="7831158" y="11769624"/>
+              <a:ext cx="1925279" cy="364577"/>
+            </a:xfrm>
+            <a:prstGeom prst="rect">
+              <a:avLst/>
+            </a:prstGeom>
+            <a:noFill/>
+            <a:ln>
+              <a:noFill/>
+            </a:ln>
+          </p:spPr>
+          <p:style>
+            <a:lnRef idx="2">
+              <a:schemeClr val="accent1">
+                <a:shade val="50000"/>
+              </a:schemeClr>
+            </a:lnRef>
+            <a:fillRef idx="1">
+              <a:schemeClr val="accent1"/>
+            </a:fillRef>
+            <a:effectRef idx="0">
+              <a:schemeClr val="accent1"/>
+            </a:effectRef>
+            <a:fontRef idx="minor">
+              <a:schemeClr val="lt1"/>
+            </a:fontRef>
+          </p:style>
+          <p:txBody>
+            <a:bodyPr rtlCol="0" anchor="ctr"/>
+            <a:lstStyle/>
+            <a:p>
+              <a:pPr algn="ctr"/>
+              <a:r>
+                <a:rPr lang="en-US" altLang="zh-TW" sz="3200" dirty="0" smtClean="0">
+                  <a:ln w="9525">
+                    <a:noFill/>
+                  </a:ln>
+                  <a:latin typeface="SauceCodePro Nerd Font" panose="020B0509030403020204" pitchFamily="49" charset="0"/>
+                  <a:ea typeface="SauceCodePro Nerd Font" panose="020B0509030403020204" pitchFamily="49" charset="0"/>
+                </a:rPr>
+                <a:t>Content</a:t>
+              </a:r>
+            </a:p>
+          </p:txBody>
+        </p:sp>
+        <p:sp>
+          <p:nvSpPr>
+            <p:cNvPr id="82" name="矩形 81"/>
+            <p:cNvSpPr/>
+            <p:nvPr/>
+          </p:nvSpPr>
+          <p:spPr>
+            <a:xfrm>
+              <a:off x="7701975" y="14841015"/>
+              <a:ext cx="2189895" cy="364577"/>
+            </a:xfrm>
+            <a:prstGeom prst="rect">
+              <a:avLst/>
+            </a:prstGeom>
+            <a:noFill/>
+            <a:ln>
+              <a:noFill/>
+            </a:ln>
+          </p:spPr>
+          <p:style>
+            <a:lnRef idx="2">
+              <a:schemeClr val="accent1">
+                <a:shade val="50000"/>
+              </a:schemeClr>
+            </a:lnRef>
+            <a:fillRef idx="1">
+              <a:schemeClr val="accent1"/>
+            </a:fillRef>
+            <a:effectRef idx="0">
+              <a:schemeClr val="accent1"/>
+            </a:effectRef>
+            <a:fontRef idx="minor">
+              <a:schemeClr val="lt1"/>
+            </a:fontRef>
+          </p:style>
+          <p:txBody>
+            <a:bodyPr rtlCol="0" anchor="ctr"/>
+            <a:lstStyle/>
+            <a:p>
+              <a:pPr algn="ctr"/>
+              <a:r>
+                <a:rPr lang="en-US" altLang="zh-TW" sz="3200" dirty="0" smtClean="0">
+                  <a:ln w="9525">
+                    <a:noFill/>
+                  </a:ln>
+                  <a:latin typeface="SauceCodePro Nerd Font" panose="020B0509030403020204" pitchFamily="49" charset="0"/>
+                  <a:ea typeface="SauceCodePro Nerd Font" panose="020B0509030403020204" pitchFamily="49" charset="0"/>
+                </a:rPr>
+                <a:t>Position</a:t>
+              </a:r>
+            </a:p>
+          </p:txBody>
+        </p:sp>
+      </p:grpSp>
+    </p:spTree>
+    <p:extLst>
+      <p:ext uri="{BB962C8B-B14F-4D97-AF65-F5344CB8AC3E}">
+        <p14:creationId xmlns:p14="http://schemas.microsoft.com/office/powerpoint/2010/main" val="3465980452"/>
+      </p:ext>
+    </p:extLst>
+  </p:cSld>
+  <p:clrMapOvr>
+    <a:masterClrMapping/>
+  </p:clrMapOvr>
+  <p:timing>
+    <p:tnLst>
+      <p:par>
+        <p:cTn id="1" dur="indefinite" restart="never" nodeType="tmRoot"/>
+      </p:par>
+    </p:tnLst>
+  </p:timing>
+</p:sld>
+</file>
+
+<file path=ppt/slides/slide7.xml><?xml version="1.0" encoding="utf-8"?>
+<p:sld xmlns:a="http://schemas.openxmlformats.org/drawingml/2006/main" xmlns:r="http://schemas.openxmlformats.org/officeDocument/2006/relationships" xmlns:p="http://schemas.openxmlformats.org/presentationml/2006/main">
+  <p:cSld>
+    <p:bg>
+      <p:bgPr>
+        <a:solidFill>
+          <a:srgbClr val="282828"/>
+        </a:solidFill>
+        <a:effectLst/>
+      </p:bgPr>
+    </p:bg>
+    <p:spTree>
+      <p:nvGrpSpPr>
+        <p:cNvPr id="1" name=""/>
+        <p:cNvGrpSpPr/>
+        <p:nvPr/>
+      </p:nvGrpSpPr>
+      <p:grpSpPr>
+        <a:xfrm>
+          <a:off x="0" y="0"/>
+          <a:ext cx="0" cy="0"/>
+          <a:chOff x="0" y="0"/>
+          <a:chExt cx="0" cy="0"/>
+        </a:xfrm>
+      </p:grpSpPr>
+      <p:grpSp>
+        <p:nvGrpSpPr>
+          <p:cNvPr id="2" name="群組 1"/>
+          <p:cNvGrpSpPr/>
+          <p:nvPr/>
+        </p:nvGrpSpPr>
+        <p:grpSpPr>
+          <a:xfrm>
+            <a:off x="5880100" y="5270500"/>
+            <a:ext cx="10312400" cy="5626100"/>
+            <a:chOff x="5880100" y="5270500"/>
+            <a:chExt cx="10312400" cy="5626100"/>
+          </a:xfrm>
+        </p:grpSpPr>
+        <p:sp>
+          <p:nvSpPr>
+            <p:cNvPr id="29" name="圓角矩形 28"/>
+            <p:cNvSpPr/>
+            <p:nvPr/>
+          </p:nvSpPr>
+          <p:spPr>
+            <a:xfrm>
+              <a:off x="5880100" y="5270500"/>
+              <a:ext cx="10312400" cy="5626100"/>
+            </a:xfrm>
+            <a:prstGeom prst="roundRect">
+              <a:avLst>
+                <a:gd name="adj" fmla="val 6966"/>
+              </a:avLst>
+            </a:prstGeom>
+            <a:solidFill>
+              <a:srgbClr val="282828"/>
+            </a:solidFill>
+            <a:ln>
+              <a:solidFill>
+                <a:schemeClr val="bg1"/>
+              </a:solidFill>
+            </a:ln>
+          </p:spPr>
+          <p:style>
+            <a:lnRef idx="2">
+              <a:schemeClr val="accent1">
+                <a:shade val="50000"/>
+              </a:schemeClr>
+            </a:lnRef>
+            <a:fillRef idx="1">
+              <a:schemeClr val="accent1"/>
+            </a:fillRef>
+            <a:effectRef idx="0">
+              <a:schemeClr val="accent1"/>
+            </a:effectRef>
+            <a:fontRef idx="minor">
+              <a:schemeClr val="lt1"/>
+            </a:fontRef>
+          </p:style>
+          <p:txBody>
+            <a:bodyPr rtlCol="0" anchor="ctr"/>
+            <a:lstStyle/>
+            <a:p>
+              <a:pPr algn="ctr"/>
+              <a:r>
+                <a:rPr lang="zh-TW" altLang="en-US" dirty="0" smtClean="0"/>
+                <a:t> </a:t>
+              </a:r>
+              <a:endParaRPr lang="zh-TW" altLang="en-US" dirty="0"/>
+            </a:p>
+          </p:txBody>
+        </p:sp>
+        <p:cxnSp>
+          <p:nvCxnSpPr>
+            <p:cNvPr id="72" name="肘形接點 45"/>
+            <p:cNvCxnSpPr>
+              <a:stCxn id="75" idx="0"/>
+              <a:endCxn id="102" idx="2"/>
+            </p:cNvCxnSpPr>
+            <p:nvPr/>
+          </p:nvCxnSpPr>
+          <p:spPr>
+            <a:xfrm flipV="1">
+              <a:off x="14388122" y="8462893"/>
+              <a:ext cx="0" cy="431858"/>
+            </a:xfrm>
+            <a:prstGeom prst="straightConnector1">
+              <a:avLst/>
+            </a:prstGeom>
+            <a:ln w="63500" cap="rnd">
+              <a:solidFill>
+                <a:srgbClr val="FF0066"/>
+              </a:solidFill>
+              <a:round/>
+              <a:tailEnd type="triangle"/>
+            </a:ln>
+          </p:spPr>
+          <p:style>
+            <a:lnRef idx="1">
+              <a:schemeClr val="accent1"/>
+            </a:lnRef>
+            <a:fillRef idx="0">
+              <a:schemeClr val="accent1"/>
+            </a:fillRef>
+            <a:effectRef idx="0">
+              <a:schemeClr val="accent1"/>
+            </a:effectRef>
+            <a:fontRef idx="minor">
+              <a:schemeClr val="tx1"/>
+            </a:fontRef>
+          </p:style>
+        </p:cxnSp>
+        <p:cxnSp>
+          <p:nvCxnSpPr>
+            <p:cNvPr id="73" name="肘形接點 72"/>
+            <p:cNvCxnSpPr>
+              <a:stCxn id="143" idx="0"/>
+              <a:endCxn id="75" idx="2"/>
+            </p:cNvCxnSpPr>
+            <p:nvPr/>
+          </p:nvCxnSpPr>
+          <p:spPr>
+            <a:xfrm flipV="1">
+              <a:off x="14388121" y="9633437"/>
+              <a:ext cx="1" cy="608976"/>
+            </a:xfrm>
+            <a:prstGeom prst="straightConnector1">
+              <a:avLst/>
+            </a:prstGeom>
+            <a:ln w="63500" cap="rnd">
+              <a:gradFill>
+                <a:gsLst>
+                  <a:gs pos="0">
+                    <a:srgbClr val="21C5FF"/>
+                  </a:gs>
+                  <a:gs pos="83000">
+                    <a:srgbClr val="FF0066"/>
+                  </a:gs>
+                </a:gsLst>
+                <a:lin ang="5400000" scaled="0"/>
+              </a:gradFill>
+              <a:round/>
+              <a:tailEnd type="triangle"/>
+            </a:ln>
+          </p:spPr>
+          <p:style>
+            <a:lnRef idx="1">
+              <a:schemeClr val="accent1"/>
+            </a:lnRef>
+            <a:fillRef idx="0">
+              <a:schemeClr val="accent1"/>
+            </a:fillRef>
+            <a:effectRef idx="0">
+              <a:schemeClr val="accent1"/>
+            </a:effectRef>
+            <a:fontRef idx="minor">
+              <a:schemeClr val="tx1"/>
+            </a:fontRef>
+          </p:style>
+        </p:cxnSp>
+        <p:cxnSp>
+          <p:nvCxnSpPr>
+            <p:cNvPr id="96" name="肘形接點 72"/>
+            <p:cNvCxnSpPr>
+              <a:stCxn id="143" idx="0"/>
+              <a:endCxn id="77" idx="3"/>
+            </p:cNvCxnSpPr>
+            <p:nvPr/>
+          </p:nvCxnSpPr>
+          <p:spPr>
+            <a:xfrm rot="5400000" flipH="1" flipV="1">
+              <a:off x="14191828" y="9460388"/>
+              <a:ext cx="978319" cy="585733"/>
+            </a:xfrm>
+            <a:prstGeom prst="bentConnector4">
+              <a:avLst>
+                <a:gd name="adj1" fmla="val 25753"/>
+                <a:gd name="adj2" fmla="val 160168"/>
+              </a:avLst>
+            </a:prstGeom>
+            <a:ln w="63500" cap="rnd">
+              <a:gradFill>
+                <a:gsLst>
+                  <a:gs pos="0">
+                    <a:srgbClr val="21C5FF"/>
+                  </a:gs>
+                  <a:gs pos="83000">
+                    <a:srgbClr val="FF0066"/>
+                  </a:gs>
+                </a:gsLst>
+                <a:lin ang="0" scaled="0"/>
+              </a:gradFill>
+              <a:round/>
+              <a:tailEnd type="triangle"/>
+            </a:ln>
+          </p:spPr>
+          <p:style>
+            <a:lnRef idx="1">
+              <a:schemeClr val="accent1"/>
+            </a:lnRef>
+            <a:fillRef idx="0">
+              <a:schemeClr val="accent1"/>
+            </a:fillRef>
+            <a:effectRef idx="0">
+              <a:schemeClr val="accent1"/>
+            </a:effectRef>
+            <a:fontRef idx="minor">
+              <a:schemeClr val="tx1"/>
+            </a:fontRef>
+          </p:style>
+        </p:cxnSp>
+        <p:grpSp>
+          <p:nvGrpSpPr>
+            <p:cNvPr id="97" name="群組 96"/>
+            <p:cNvGrpSpPr/>
+            <p:nvPr/>
+          </p:nvGrpSpPr>
+          <p:grpSpPr>
+            <a:xfrm>
+              <a:off x="13093118" y="6897004"/>
+              <a:ext cx="2590007" cy="862676"/>
+              <a:chOff x="4222767" y="13258800"/>
+              <a:chExt cx="3023618" cy="608976"/>
+            </a:xfrm>
+          </p:grpSpPr>
+          <p:sp>
+            <p:nvSpPr>
+              <p:cNvPr id="99" name="圓角矩形 98"/>
+              <p:cNvSpPr/>
+              <p:nvPr/>
+            </p:nvSpPr>
+            <p:spPr>
+              <a:xfrm>
+                <a:off x="4222769" y="13258800"/>
+                <a:ext cx="3023616" cy="608976"/>
+              </a:xfrm>
+              <a:prstGeom prst="roundRect">
+                <a:avLst/>
+              </a:prstGeom>
+              <a:solidFill>
+                <a:srgbClr val="21C5FF"/>
+              </a:solidFill>
+              <a:ln>
+                <a:noFill/>
+              </a:ln>
+            </p:spPr>
+            <p:style>
+              <a:lnRef idx="2">
+                <a:schemeClr val="accent1">
+                  <a:shade val="50000"/>
+                </a:schemeClr>
+              </a:lnRef>
+              <a:fillRef idx="1">
+                <a:schemeClr val="accent1"/>
+              </a:fillRef>
+              <a:effectRef idx="0">
+                <a:schemeClr val="accent1"/>
+              </a:effectRef>
+              <a:fontRef idx="minor">
+                <a:schemeClr val="lt1"/>
+              </a:fontRef>
+            </p:style>
+            <p:txBody>
+              <a:bodyPr rot="0" spcFirstLastPara="0" vertOverflow="overflow" horzOverflow="overflow" vert="horz" wrap="square" lIns="91440" tIns="45720" rIns="91440" bIns="45720" numCol="1" spcCol="0" rtlCol="0" fromWordArt="0" anchor="ctr" anchorCtr="0" forceAA="0" compatLnSpc="1">
+                <a:prstTxWarp prst="textNoShape">
+                  <a:avLst/>
+                </a:prstTxWarp>
+                <a:noAutofit/>
+              </a:bodyPr>
+              <a:lstStyle/>
+              <a:p>
+                <a:pPr algn="ctr"/>
+                <a:endParaRPr lang="zh-TW" altLang="en-US" sz="2400"/>
+              </a:p>
+            </p:txBody>
+          </p:sp>
+          <p:sp>
+            <p:nvSpPr>
+              <p:cNvPr id="100" name="矩形 99"/>
+              <p:cNvSpPr/>
+              <p:nvPr/>
+            </p:nvSpPr>
+            <p:spPr>
+              <a:xfrm>
+                <a:off x="4222767" y="13360628"/>
+                <a:ext cx="3023618" cy="405319"/>
+              </a:xfrm>
+              <a:prstGeom prst="rect">
+                <a:avLst/>
+              </a:prstGeom>
+              <a:solidFill>
+                <a:srgbClr val="282828"/>
+              </a:solidFill>
+              <a:ln>
+                <a:noFill/>
+              </a:ln>
+            </p:spPr>
+            <p:style>
+              <a:lnRef idx="2">
+                <a:schemeClr val="accent1">
+                  <a:shade val="50000"/>
+                </a:schemeClr>
+              </a:lnRef>
+              <a:fillRef idx="1">
+                <a:schemeClr val="accent1"/>
+              </a:fillRef>
+              <a:effectRef idx="0">
+                <a:schemeClr val="accent1"/>
+              </a:effectRef>
+              <a:fontRef idx="minor">
+                <a:schemeClr val="lt1"/>
+              </a:fontRef>
+            </p:style>
+            <p:txBody>
+              <a:bodyPr rot="0" spcFirstLastPara="0" vertOverflow="overflow" horzOverflow="overflow" vert="horz" wrap="square" lIns="91440" tIns="45720" rIns="91440" bIns="45720" numCol="1" spcCol="0" rtlCol="0" fromWordArt="0" anchor="ctr" anchorCtr="0" forceAA="0" compatLnSpc="1">
+                <a:prstTxWarp prst="textNoShape">
+                  <a:avLst/>
+                </a:prstTxWarp>
+                <a:noAutofit/>
+              </a:bodyPr>
+              <a:lstStyle/>
+              <a:p>
+                <a:pPr algn="ctr"/>
+                <a:r>
+                  <a:rPr lang="en-US" altLang="zh-TW" sz="2400" dirty="0" smtClean="0">
+                    <a:solidFill>
+                      <a:srgbClr val="D9F5FF"/>
+                    </a:solidFill>
+                    <a:latin typeface="Source Code Pro" panose="020B0509030403020204" pitchFamily="49" charset="0"/>
+                  </a:rPr>
+                  <a:t>Feed Forward</a:t>
+                </a:r>
+                <a:endParaRPr lang="zh-TW" altLang="en-US" sz="2400" dirty="0">
+                  <a:solidFill>
+                    <a:srgbClr val="D9F5FF"/>
+                  </a:solidFill>
+                  <a:latin typeface="Source Code Pro" panose="020B0509030403020204" pitchFamily="49" charset="0"/>
+                </a:endParaRPr>
+              </a:p>
+            </p:txBody>
+          </p:sp>
+        </p:grpSp>
+        <p:sp>
+          <p:nvSpPr>
+            <p:cNvPr id="102" name="矩形 101"/>
+            <p:cNvSpPr/>
+            <p:nvPr/>
+          </p:nvSpPr>
+          <p:spPr>
+            <a:xfrm>
+              <a:off x="14157722" y="8104588"/>
+              <a:ext cx="460800" cy="358305"/>
+            </a:xfrm>
+            <a:prstGeom prst="rect">
+              <a:avLst/>
+            </a:prstGeom>
+            <a:noFill/>
+            <a:ln>
+              <a:noFill/>
+            </a:ln>
+          </p:spPr>
+          <p:style>
+            <a:lnRef idx="2">
+              <a:schemeClr val="accent1">
+                <a:shade val="50000"/>
+              </a:schemeClr>
+            </a:lnRef>
+            <a:fillRef idx="1">
+              <a:schemeClr val="accent1"/>
+            </a:fillRef>
+            <a:effectRef idx="0">
+              <a:schemeClr val="accent1"/>
+            </a:effectRef>
+            <a:fontRef idx="minor">
+              <a:schemeClr val="lt1"/>
+            </a:fontRef>
+          </p:style>
+          <p:txBody>
+            <a:bodyPr rtlCol="0" anchor="ctr"/>
+            <a:lstStyle/>
+            <a:p>
+              <a:pPr algn="ctr"/>
+              <a:r>
+                <a:rPr lang="en-US" altLang="zh-TW" sz="2400" dirty="0" smtClean="0">
+                  <a:latin typeface="SauceCodePro Nerd Font" panose="020B0509030403020204" pitchFamily="49" charset="0"/>
+                  <a:ea typeface="SauceCodePro Nerd Font" panose="020B0509030403020204" pitchFamily="49" charset="0"/>
+                </a:rPr>
+                <a:t>+</a:t>
+              </a:r>
+            </a:p>
+          </p:txBody>
+        </p:sp>
+        <p:cxnSp>
+          <p:nvCxnSpPr>
+            <p:cNvPr id="103" name="肘形接點 72"/>
+            <p:cNvCxnSpPr>
+              <a:endCxn id="102" idx="3"/>
+            </p:cNvCxnSpPr>
+            <p:nvPr/>
+          </p:nvCxnSpPr>
+          <p:spPr>
+            <a:xfrm rot="5400000" flipH="1" flipV="1">
+              <a:off x="13535999" y="9135866"/>
+              <a:ext cx="1934647" cy="230399"/>
+            </a:xfrm>
+            <a:prstGeom prst="bentConnector4">
+              <a:avLst>
+                <a:gd name="adj1" fmla="val 11891"/>
+                <a:gd name="adj2" fmla="val 539872"/>
+              </a:avLst>
+            </a:prstGeom>
+            <a:ln w="63500" cap="rnd">
+              <a:solidFill>
+                <a:srgbClr val="21C5FF"/>
+              </a:solidFill>
+              <a:round/>
+              <a:tailEnd type="triangle"/>
+            </a:ln>
+          </p:spPr>
+          <p:style>
+            <a:lnRef idx="1">
+              <a:schemeClr val="accent1"/>
+            </a:lnRef>
+            <a:fillRef idx="0">
+              <a:schemeClr val="accent1"/>
+            </a:fillRef>
+            <a:effectRef idx="0">
+              <a:schemeClr val="accent1"/>
+            </a:effectRef>
+            <a:fontRef idx="minor">
+              <a:schemeClr val="tx1"/>
+            </a:fontRef>
+          </p:style>
+        </p:cxnSp>
+        <p:cxnSp>
+          <p:nvCxnSpPr>
+            <p:cNvPr id="105" name="肘形接點 72"/>
+            <p:cNvCxnSpPr>
+              <a:stCxn id="102" idx="0"/>
+              <a:endCxn id="99" idx="2"/>
+            </p:cNvCxnSpPr>
+            <p:nvPr/>
+          </p:nvCxnSpPr>
+          <p:spPr>
+            <a:xfrm flipV="1">
+              <a:off x="14388122" y="7759680"/>
+              <a:ext cx="1" cy="344908"/>
+            </a:xfrm>
+            <a:prstGeom prst="straightConnector1">
+              <a:avLst/>
+            </a:prstGeom>
+            <a:ln w="63500" cap="rnd">
+              <a:solidFill>
+                <a:srgbClr val="21C5FF"/>
+              </a:solidFill>
+              <a:round/>
+              <a:tailEnd type="triangle"/>
+            </a:ln>
+          </p:spPr>
+          <p:style>
+            <a:lnRef idx="1">
+              <a:schemeClr val="accent1"/>
+            </a:lnRef>
+            <a:fillRef idx="0">
+              <a:schemeClr val="accent1"/>
+            </a:fillRef>
+            <a:effectRef idx="0">
+              <a:schemeClr val="accent1"/>
+            </a:effectRef>
+            <a:fontRef idx="minor">
+              <a:schemeClr val="tx1"/>
+            </a:fontRef>
+          </p:style>
+        </p:cxnSp>
+        <p:cxnSp>
+          <p:nvCxnSpPr>
+            <p:cNvPr id="109" name="肘形接點 45"/>
+            <p:cNvCxnSpPr>
+              <a:stCxn id="99" idx="0"/>
+              <a:endCxn id="110" idx="2"/>
+            </p:cNvCxnSpPr>
+            <p:nvPr/>
+          </p:nvCxnSpPr>
+          <p:spPr>
+            <a:xfrm flipH="1" flipV="1">
+              <a:off x="14388122" y="6635454"/>
+              <a:ext cx="1" cy="261550"/>
+            </a:xfrm>
+            <a:prstGeom prst="straightConnector1">
+              <a:avLst/>
+            </a:prstGeom>
+            <a:ln w="63500" cap="rnd">
+              <a:solidFill>
+                <a:srgbClr val="21C5FF"/>
+              </a:solidFill>
+              <a:round/>
+              <a:tailEnd type="triangle"/>
+            </a:ln>
+          </p:spPr>
+          <p:style>
+            <a:lnRef idx="1">
+              <a:schemeClr val="accent1"/>
+            </a:lnRef>
+            <a:fillRef idx="0">
+              <a:schemeClr val="accent1"/>
+            </a:fillRef>
+            <a:effectRef idx="0">
+              <a:schemeClr val="accent1"/>
+            </a:effectRef>
+            <a:fontRef idx="minor">
+              <a:schemeClr val="tx1"/>
+            </a:fontRef>
+          </p:style>
+        </p:cxnSp>
+        <p:sp>
+          <p:nvSpPr>
+            <p:cNvPr id="110" name="矩形 109"/>
+            <p:cNvSpPr/>
+            <p:nvPr/>
+          </p:nvSpPr>
+          <p:spPr>
+            <a:xfrm>
+              <a:off x="14157722" y="6277149"/>
+              <a:ext cx="460800" cy="358305"/>
+            </a:xfrm>
+            <a:prstGeom prst="rect">
+              <a:avLst/>
+            </a:prstGeom>
+            <a:noFill/>
+            <a:ln>
+              <a:noFill/>
+            </a:ln>
+          </p:spPr>
+          <p:style>
+            <a:lnRef idx="2">
+              <a:schemeClr val="accent1">
+                <a:shade val="50000"/>
+              </a:schemeClr>
+            </a:lnRef>
+            <a:fillRef idx="1">
+              <a:schemeClr val="accent1"/>
+            </a:fillRef>
+            <a:effectRef idx="0">
+              <a:schemeClr val="accent1"/>
+            </a:effectRef>
+            <a:fontRef idx="minor">
+              <a:schemeClr val="lt1"/>
+            </a:fontRef>
+          </p:style>
+          <p:txBody>
+            <a:bodyPr rtlCol="0" anchor="ctr"/>
+            <a:lstStyle/>
+            <a:p>
+              <a:pPr algn="ctr"/>
+              <a:r>
+                <a:rPr lang="en-US" altLang="zh-TW" sz="2400" dirty="0" smtClean="0">
+                  <a:latin typeface="SauceCodePro Nerd Font" panose="020B0509030403020204" pitchFamily="49" charset="0"/>
+                  <a:ea typeface="SauceCodePro Nerd Font" panose="020B0509030403020204" pitchFamily="49" charset="0"/>
+                </a:rPr>
+                <a:t>+</a:t>
+              </a:r>
+            </a:p>
+          </p:txBody>
+        </p:sp>
+        <p:sp>
+          <p:nvSpPr>
+            <p:cNvPr id="140" name="矩形 139"/>
+            <p:cNvSpPr/>
+            <p:nvPr/>
+          </p:nvSpPr>
+          <p:spPr>
+            <a:xfrm>
+              <a:off x="8446498" y="9440146"/>
+              <a:ext cx="1347644" cy="386581"/>
+            </a:xfrm>
+            <a:prstGeom prst="rect">
+              <a:avLst/>
+            </a:prstGeom>
+            <a:solidFill>
+              <a:srgbClr val="282828"/>
+            </a:solidFill>
+            <a:ln>
+              <a:solidFill>
+                <a:srgbClr val="21C5FF"/>
+              </a:solidFill>
+            </a:ln>
+          </p:spPr>
+          <p:style>
+            <a:lnRef idx="2">
+              <a:schemeClr val="accent1">
+                <a:shade val="50000"/>
+              </a:schemeClr>
+            </a:lnRef>
+            <a:fillRef idx="1">
+              <a:schemeClr val="accent1"/>
+            </a:fillRef>
+            <a:effectRef idx="0">
+              <a:schemeClr val="accent1"/>
+            </a:effectRef>
+            <a:fontRef idx="minor">
+              <a:schemeClr val="lt1"/>
+            </a:fontRef>
+          </p:style>
+          <p:txBody>
+            <a:bodyPr rot="0" spcFirstLastPara="0" vertOverflow="overflow" horzOverflow="overflow" vert="horz" wrap="square" lIns="91440" tIns="45720" rIns="91440" bIns="45720" numCol="1" spcCol="0" rtlCol="0" fromWordArt="0" anchor="ctr" anchorCtr="0" forceAA="0" compatLnSpc="1">
+              <a:prstTxWarp prst="textNoShape">
+                <a:avLst/>
+              </a:prstTxWarp>
+              <a:noAutofit/>
+            </a:bodyPr>
+            <a:lstStyle/>
+            <a:p>
+              <a:pPr algn="ctr"/>
+              <a:r>
+                <a:rPr lang="en-US" altLang="zh-TW" sz="2400" dirty="0" smtClean="0">
+                  <a:solidFill>
+                    <a:schemeClr val="accent1">
+                      <a:lumMod val="20000"/>
+                      <a:lumOff val="80000"/>
+                    </a:schemeClr>
+                  </a:solidFill>
+                  <a:latin typeface="Source Code Pro" panose="020B0509030403020204" pitchFamily="49" charset="0"/>
+                </a:rPr>
+                <a:t>Input</a:t>
+              </a:r>
+              <a:endParaRPr lang="zh-TW" altLang="en-US" sz="2400" baseline="-25000" dirty="0">
+                <a:solidFill>
+                  <a:schemeClr val="accent1">
+                    <a:lumMod val="20000"/>
+                    <a:lumOff val="80000"/>
+                  </a:schemeClr>
+                </a:solidFill>
+                <a:latin typeface="Source Code Pro" panose="020B0509030403020204" pitchFamily="49" charset="0"/>
+              </a:endParaRPr>
+            </a:p>
+          </p:txBody>
+        </p:sp>
+        <p:sp>
+          <p:nvSpPr>
+            <p:cNvPr id="141" name="矩形 140"/>
+            <p:cNvSpPr/>
+            <p:nvPr/>
+          </p:nvSpPr>
+          <p:spPr>
+            <a:xfrm>
+              <a:off x="8446498" y="6118761"/>
+              <a:ext cx="1347644" cy="386581"/>
+            </a:xfrm>
+            <a:prstGeom prst="rect">
+              <a:avLst/>
+            </a:prstGeom>
+            <a:solidFill>
+              <a:srgbClr val="282828"/>
+            </a:solidFill>
+            <a:ln>
+              <a:solidFill>
+                <a:srgbClr val="21C5FF"/>
+              </a:solidFill>
+            </a:ln>
+          </p:spPr>
+          <p:style>
+            <a:lnRef idx="2">
+              <a:schemeClr val="accent1">
+                <a:shade val="50000"/>
+              </a:schemeClr>
+            </a:lnRef>
+            <a:fillRef idx="1">
+              <a:schemeClr val="accent1"/>
+            </a:fillRef>
+            <a:effectRef idx="0">
+              <a:schemeClr val="accent1"/>
+            </a:effectRef>
+            <a:fontRef idx="minor">
+              <a:schemeClr val="lt1"/>
+            </a:fontRef>
+          </p:style>
+          <p:txBody>
+            <a:bodyPr rot="0" spcFirstLastPara="0" vertOverflow="overflow" horzOverflow="overflow" vert="horz" wrap="square" lIns="91440" tIns="45720" rIns="91440" bIns="45720" numCol="1" spcCol="0" rtlCol="0" fromWordArt="0" anchor="ctr" anchorCtr="0" forceAA="0" compatLnSpc="1">
+              <a:prstTxWarp prst="textNoShape">
+                <a:avLst/>
+              </a:prstTxWarp>
+              <a:noAutofit/>
+            </a:bodyPr>
+            <a:lstStyle/>
+            <a:p>
+              <a:pPr algn="ctr"/>
+              <a:r>
+                <a:rPr lang="en-US" altLang="zh-TW" sz="2400" dirty="0" smtClean="0">
+                  <a:solidFill>
+                    <a:schemeClr val="accent1">
+                      <a:lumMod val="20000"/>
+                      <a:lumOff val="80000"/>
+                    </a:schemeClr>
+                  </a:solidFill>
+                  <a:latin typeface="Source Code Pro" panose="020B0509030403020204" pitchFamily="49" charset="0"/>
+                </a:rPr>
+                <a:t>Output</a:t>
+              </a:r>
+              <a:endParaRPr lang="zh-TW" altLang="en-US" sz="2400" baseline="-25000" dirty="0">
+                <a:solidFill>
+                  <a:schemeClr val="accent1">
+                    <a:lumMod val="20000"/>
+                    <a:lumOff val="80000"/>
+                  </a:schemeClr>
+                </a:solidFill>
+                <a:latin typeface="Source Code Pro" panose="020B0509030403020204" pitchFamily="49" charset="0"/>
+              </a:endParaRPr>
+            </a:p>
+          </p:txBody>
+        </p:sp>
+        <p:sp>
+          <p:nvSpPr>
+            <p:cNvPr id="143" name="矩形 142"/>
+            <p:cNvSpPr/>
+            <p:nvPr/>
+          </p:nvSpPr>
+          <p:spPr>
+            <a:xfrm>
+              <a:off x="13714299" y="10242413"/>
+              <a:ext cx="1347644" cy="386581"/>
+            </a:xfrm>
+            <a:prstGeom prst="rect">
+              <a:avLst/>
+            </a:prstGeom>
+            <a:solidFill>
+              <a:srgbClr val="282828"/>
+            </a:solidFill>
+            <a:ln>
+              <a:solidFill>
+                <a:srgbClr val="21C5FF"/>
+              </a:solidFill>
+            </a:ln>
+          </p:spPr>
+          <p:style>
+            <a:lnRef idx="2">
+              <a:schemeClr val="accent1">
+                <a:shade val="50000"/>
+              </a:schemeClr>
+            </a:lnRef>
+            <a:fillRef idx="1">
+              <a:schemeClr val="accent1"/>
+            </a:fillRef>
+            <a:effectRef idx="0">
+              <a:schemeClr val="accent1"/>
+            </a:effectRef>
+            <a:fontRef idx="minor">
+              <a:schemeClr val="lt1"/>
+            </a:fontRef>
+          </p:style>
+          <p:txBody>
+            <a:bodyPr rot="0" spcFirstLastPara="0" vertOverflow="overflow" horzOverflow="overflow" vert="horz" wrap="square" lIns="91440" tIns="45720" rIns="91440" bIns="45720" numCol="1" spcCol="0" rtlCol="0" fromWordArt="0" anchor="ctr" anchorCtr="0" forceAA="0" compatLnSpc="1">
+              <a:prstTxWarp prst="textNoShape">
+                <a:avLst/>
+              </a:prstTxWarp>
+              <a:noAutofit/>
+            </a:bodyPr>
+            <a:lstStyle/>
+            <a:p>
+              <a:pPr algn="ctr"/>
+              <a:r>
+                <a:rPr lang="en-US" altLang="zh-TW" sz="2400" dirty="0" smtClean="0">
+                  <a:solidFill>
+                    <a:schemeClr val="accent1">
+                      <a:lumMod val="20000"/>
+                      <a:lumOff val="80000"/>
+                    </a:schemeClr>
+                  </a:solidFill>
+                  <a:latin typeface="Source Code Pro" panose="020B0509030403020204" pitchFamily="49" charset="0"/>
+                </a:rPr>
+                <a:t>Output</a:t>
+              </a:r>
+              <a:endParaRPr lang="zh-TW" altLang="en-US" sz="2400" baseline="-25000" dirty="0">
+                <a:solidFill>
+                  <a:schemeClr val="accent1">
+                    <a:lumMod val="20000"/>
+                    <a:lumOff val="80000"/>
+                  </a:schemeClr>
+                </a:solidFill>
+                <a:latin typeface="Source Code Pro" panose="020B0509030403020204" pitchFamily="49" charset="0"/>
+              </a:endParaRPr>
+            </a:p>
+          </p:txBody>
+        </p:sp>
+        <p:sp>
+          <p:nvSpPr>
+            <p:cNvPr id="144" name="矩形 143"/>
+            <p:cNvSpPr/>
+            <p:nvPr/>
+          </p:nvSpPr>
+          <p:spPr>
+            <a:xfrm>
+              <a:off x="13714299" y="5599763"/>
+              <a:ext cx="1347644" cy="386581"/>
+            </a:xfrm>
+            <a:prstGeom prst="rect">
+              <a:avLst/>
+            </a:prstGeom>
+            <a:solidFill>
+              <a:srgbClr val="282828"/>
+            </a:solidFill>
+            <a:ln>
+              <a:solidFill>
+                <a:srgbClr val="21C5FF"/>
+              </a:solidFill>
+            </a:ln>
+          </p:spPr>
+          <p:style>
+            <a:lnRef idx="2">
+              <a:schemeClr val="accent1">
+                <a:shade val="50000"/>
+              </a:schemeClr>
+            </a:lnRef>
+            <a:fillRef idx="1">
+              <a:schemeClr val="accent1"/>
+            </a:fillRef>
+            <a:effectRef idx="0">
+              <a:schemeClr val="accent1"/>
+            </a:effectRef>
+            <a:fontRef idx="minor">
+              <a:schemeClr val="lt1"/>
+            </a:fontRef>
+          </p:style>
+          <p:txBody>
+            <a:bodyPr rot="0" spcFirstLastPara="0" vertOverflow="overflow" horzOverflow="overflow" vert="horz" wrap="square" lIns="91440" tIns="45720" rIns="91440" bIns="45720" numCol="1" spcCol="0" rtlCol="0" fromWordArt="0" anchor="ctr" anchorCtr="0" forceAA="0" compatLnSpc="1">
+              <a:prstTxWarp prst="textNoShape">
+                <a:avLst/>
+              </a:prstTxWarp>
+              <a:noAutofit/>
+            </a:bodyPr>
+            <a:lstStyle/>
+            <a:p>
+              <a:pPr algn="ctr"/>
+              <a:r>
+                <a:rPr lang="en-US" altLang="zh-TW" sz="2400" dirty="0" smtClean="0">
+                  <a:solidFill>
+                    <a:schemeClr val="accent1">
+                      <a:lumMod val="20000"/>
+                      <a:lumOff val="80000"/>
+                    </a:schemeClr>
+                  </a:solidFill>
+                  <a:latin typeface="Source Code Pro" panose="020B0509030403020204" pitchFamily="49" charset="0"/>
+                </a:rPr>
+                <a:t>Output</a:t>
+              </a:r>
+              <a:endParaRPr lang="zh-TW" altLang="en-US" sz="2400" baseline="-25000" dirty="0">
+                <a:solidFill>
+                  <a:schemeClr val="accent1">
+                    <a:lumMod val="20000"/>
+                    <a:lumOff val="80000"/>
+                  </a:schemeClr>
+                </a:solidFill>
+                <a:latin typeface="Source Code Pro" panose="020B0509030403020204" pitchFamily="49" charset="0"/>
+              </a:endParaRPr>
+            </a:p>
+          </p:txBody>
+        </p:sp>
+        <p:cxnSp>
+          <p:nvCxnSpPr>
+            <p:cNvPr id="172" name="肘形接點 45"/>
+            <p:cNvCxnSpPr>
+              <a:stCxn id="136" idx="2"/>
+              <a:endCxn id="75" idx="2"/>
+            </p:cNvCxnSpPr>
+            <p:nvPr/>
+          </p:nvCxnSpPr>
+          <p:spPr>
+            <a:xfrm>
+              <a:off x="9120322" y="8926315"/>
+              <a:ext cx="5267800" cy="707122"/>
+            </a:xfrm>
+            <a:prstGeom prst="straightConnector1">
+              <a:avLst/>
+            </a:prstGeom>
+            <a:ln w="63500" cap="rnd">
+              <a:solidFill>
+                <a:schemeClr val="bg1"/>
+              </a:solidFill>
+              <a:round/>
+              <a:tailEnd type="none"/>
+            </a:ln>
+          </p:spPr>
+          <p:style>
+            <a:lnRef idx="1">
+              <a:schemeClr val="accent1"/>
+            </a:lnRef>
+            <a:fillRef idx="0">
+              <a:schemeClr val="accent1"/>
+            </a:fillRef>
+            <a:effectRef idx="0">
+              <a:schemeClr val="accent1"/>
+            </a:effectRef>
+            <a:fontRef idx="minor">
+              <a:schemeClr val="tx1"/>
+            </a:fontRef>
+          </p:style>
+        </p:cxnSp>
+        <p:grpSp>
+          <p:nvGrpSpPr>
+            <p:cNvPr id="74" name="群組 73"/>
+            <p:cNvGrpSpPr/>
+            <p:nvPr/>
+          </p:nvGrpSpPr>
+          <p:grpSpPr>
+            <a:xfrm>
+              <a:off x="13802389" y="8894751"/>
+              <a:ext cx="1171465" cy="738686"/>
+              <a:chOff x="4222767" y="13258800"/>
+              <a:chExt cx="3023618" cy="608976"/>
+            </a:xfrm>
+          </p:grpSpPr>
+          <p:sp>
+            <p:nvSpPr>
+              <p:cNvPr id="75" name="圓角矩形 74"/>
+              <p:cNvSpPr/>
+              <p:nvPr/>
+            </p:nvSpPr>
+            <p:spPr>
+              <a:xfrm>
+                <a:off x="4222769" y="13258800"/>
+                <a:ext cx="3023616" cy="608976"/>
+              </a:xfrm>
+              <a:prstGeom prst="roundRect">
+                <a:avLst/>
+              </a:prstGeom>
+              <a:solidFill>
+                <a:srgbClr val="FF0066"/>
+              </a:solidFill>
+              <a:ln>
+                <a:noFill/>
+              </a:ln>
+            </p:spPr>
+            <p:style>
+              <a:lnRef idx="2">
+                <a:schemeClr val="accent1">
+                  <a:shade val="50000"/>
+                </a:schemeClr>
+              </a:lnRef>
+              <a:fillRef idx="1">
+                <a:schemeClr val="accent1"/>
+              </a:fillRef>
+              <a:effectRef idx="0">
+                <a:schemeClr val="accent1"/>
+              </a:effectRef>
+              <a:fontRef idx="minor">
+                <a:schemeClr val="lt1"/>
+              </a:fontRef>
+            </p:style>
+            <p:txBody>
+              <a:bodyPr rot="0" spcFirstLastPara="0" vertOverflow="overflow" horzOverflow="overflow" vert="horz" wrap="square" lIns="91440" tIns="45720" rIns="91440" bIns="45720" numCol="1" spcCol="0" rtlCol="0" fromWordArt="0" anchor="ctr" anchorCtr="0" forceAA="0" compatLnSpc="1">
+                <a:prstTxWarp prst="textNoShape">
+                  <a:avLst/>
+                </a:prstTxWarp>
+                <a:noAutofit/>
+              </a:bodyPr>
+              <a:lstStyle/>
+              <a:p>
+                <a:pPr algn="ctr"/>
+                <a:endParaRPr lang="zh-TW" altLang="en-US" sz="2400"/>
+              </a:p>
+            </p:txBody>
+          </p:sp>
+          <p:sp>
+            <p:nvSpPr>
+              <p:cNvPr id="77" name="矩形 76"/>
+              <p:cNvSpPr/>
+              <p:nvPr/>
+            </p:nvSpPr>
+            <p:spPr>
+              <a:xfrm>
+                <a:off x="4222767" y="13360628"/>
+                <a:ext cx="3023618" cy="405319"/>
+              </a:xfrm>
+              <a:prstGeom prst="rect">
+                <a:avLst/>
+              </a:prstGeom>
+              <a:solidFill>
+                <a:srgbClr val="282828"/>
+              </a:solidFill>
+              <a:ln>
+                <a:noFill/>
+              </a:ln>
+            </p:spPr>
+            <p:style>
+              <a:lnRef idx="2">
+                <a:schemeClr val="accent1">
+                  <a:shade val="50000"/>
+                </a:schemeClr>
+              </a:lnRef>
+              <a:fillRef idx="1">
+                <a:schemeClr val="accent1"/>
+              </a:fillRef>
+              <a:effectRef idx="0">
+                <a:schemeClr val="accent1"/>
+              </a:effectRef>
+              <a:fontRef idx="minor">
+                <a:schemeClr val="lt1"/>
+              </a:fontRef>
+            </p:style>
+            <p:txBody>
+              <a:bodyPr rot="0" spcFirstLastPara="0" vertOverflow="overflow" horzOverflow="overflow" vert="horz" wrap="square" lIns="91440" tIns="45720" rIns="91440" bIns="45720" numCol="1" spcCol="0" rtlCol="0" fromWordArt="0" anchor="ctr" anchorCtr="0" forceAA="0" compatLnSpc="1">
+                <a:prstTxWarp prst="textNoShape">
+                  <a:avLst/>
+                </a:prstTxWarp>
+                <a:noAutofit/>
+              </a:bodyPr>
+              <a:lstStyle/>
+              <a:p>
+                <a:pPr algn="ctr"/>
+                <a:r>
+                  <a:rPr lang="en-US" altLang="zh-TW" sz="2400" dirty="0" smtClean="0">
+                    <a:solidFill>
+                      <a:srgbClr val="FFABCD"/>
+                    </a:solidFill>
+                    <a:latin typeface="Source Code Pro" panose="020B0509030403020204" pitchFamily="49" charset="0"/>
+                  </a:rPr>
+                  <a:t>MHA</a:t>
+                </a:r>
+                <a:endParaRPr lang="zh-TW" altLang="en-US" sz="2400" dirty="0">
+                  <a:solidFill>
+                    <a:srgbClr val="FFABCD"/>
+                  </a:solidFill>
+                  <a:latin typeface="Source Code Pro" panose="020B0509030403020204" pitchFamily="49" charset="0"/>
+                </a:endParaRPr>
+              </a:p>
+            </p:txBody>
+          </p:sp>
+        </p:grpSp>
+        <p:cxnSp>
+          <p:nvCxnSpPr>
+            <p:cNvPr id="175" name="肘形接點 45"/>
+            <p:cNvCxnSpPr>
+              <a:stCxn id="136" idx="0"/>
+              <a:endCxn id="110" idx="0"/>
+            </p:cNvCxnSpPr>
+            <p:nvPr/>
+          </p:nvCxnSpPr>
+          <p:spPr>
+            <a:xfrm flipV="1">
+              <a:off x="9120322" y="6277149"/>
+              <a:ext cx="5267800" cy="764105"/>
+            </a:xfrm>
+            <a:prstGeom prst="straightConnector1">
+              <a:avLst/>
+            </a:prstGeom>
+            <a:ln w="63500" cap="rnd">
+              <a:solidFill>
+                <a:schemeClr val="bg1"/>
+              </a:solidFill>
+              <a:round/>
+              <a:tailEnd type="none"/>
+            </a:ln>
+          </p:spPr>
+          <p:style>
+            <a:lnRef idx="1">
+              <a:schemeClr val="accent1"/>
+            </a:lnRef>
+            <a:fillRef idx="0">
+              <a:schemeClr val="accent1"/>
+            </a:fillRef>
+            <a:effectRef idx="0">
+              <a:schemeClr val="accent1"/>
+            </a:effectRef>
+            <a:fontRef idx="minor">
+              <a:schemeClr val="tx1"/>
+            </a:fontRef>
+          </p:style>
+        </p:cxnSp>
+        <p:cxnSp>
+          <p:nvCxnSpPr>
+            <p:cNvPr id="132" name="肘形接點 45"/>
+            <p:cNvCxnSpPr>
+              <a:stCxn id="110" idx="0"/>
+              <a:endCxn id="144" idx="2"/>
+            </p:cNvCxnSpPr>
+            <p:nvPr/>
+          </p:nvCxnSpPr>
+          <p:spPr>
+            <a:xfrm flipH="1" flipV="1">
+              <a:off x="14388121" y="5986344"/>
+              <a:ext cx="1" cy="290805"/>
+            </a:xfrm>
+            <a:prstGeom prst="straightConnector1">
+              <a:avLst/>
+            </a:prstGeom>
+            <a:ln w="63500" cap="rnd">
+              <a:solidFill>
+                <a:srgbClr val="21C5FF"/>
+              </a:solidFill>
+              <a:round/>
+              <a:tailEnd type="triangle"/>
+            </a:ln>
+          </p:spPr>
+          <p:style>
+            <a:lnRef idx="1">
+              <a:schemeClr val="accent1"/>
+            </a:lnRef>
+            <a:fillRef idx="0">
+              <a:schemeClr val="accent1"/>
+            </a:fillRef>
+            <a:effectRef idx="0">
+              <a:schemeClr val="accent1"/>
+            </a:effectRef>
+            <a:fontRef idx="minor">
+              <a:schemeClr val="tx1"/>
+            </a:fontRef>
+          </p:style>
+        </p:cxnSp>
+        <p:cxnSp>
+          <p:nvCxnSpPr>
+            <p:cNvPr id="116" name="肘形接點 45"/>
+            <p:cNvCxnSpPr>
+              <a:stCxn id="75" idx="0"/>
+              <a:endCxn id="110" idx="1"/>
+            </p:cNvCxnSpPr>
+            <p:nvPr/>
+          </p:nvCxnSpPr>
+          <p:spPr>
+            <a:xfrm rot="16200000" flipV="1">
+              <a:off x="13053698" y="7560327"/>
+              <a:ext cx="2438449" cy="230400"/>
+            </a:xfrm>
+            <a:prstGeom prst="bentConnector4">
+              <a:avLst>
+                <a:gd name="adj1" fmla="val 4921"/>
+                <a:gd name="adj2" fmla="val 696575"/>
+              </a:avLst>
+            </a:prstGeom>
+            <a:ln w="63500" cap="rnd">
+              <a:solidFill>
+                <a:srgbClr val="FF0066"/>
+              </a:solidFill>
+              <a:round/>
+              <a:tailEnd type="triangle"/>
+            </a:ln>
+          </p:spPr>
+          <p:style>
+            <a:lnRef idx="1">
+              <a:schemeClr val="accent1"/>
+            </a:lnRef>
+            <a:fillRef idx="0">
+              <a:schemeClr val="accent1"/>
+            </a:fillRef>
+            <a:effectRef idx="0">
+              <a:schemeClr val="accent1"/>
+            </a:effectRef>
+            <a:fontRef idx="minor">
+              <a:schemeClr val="tx1"/>
+            </a:fontRef>
+          </p:style>
+        </p:cxnSp>
+        <p:grpSp>
+          <p:nvGrpSpPr>
+            <p:cNvPr id="130" name="群組 129"/>
+            <p:cNvGrpSpPr/>
+            <p:nvPr/>
+          </p:nvGrpSpPr>
+          <p:grpSpPr>
+            <a:xfrm>
+              <a:off x="6322610" y="7041254"/>
+              <a:ext cx="5595420" cy="1885061"/>
+              <a:chOff x="7606531" y="7181668"/>
+              <a:chExt cx="6552669" cy="2146035"/>
+            </a:xfrm>
+          </p:grpSpPr>
+          <p:sp>
+            <p:nvSpPr>
+              <p:cNvPr id="136" name="圓角矩形 135"/>
+              <p:cNvSpPr/>
+              <p:nvPr/>
+            </p:nvSpPr>
+            <p:spPr>
+              <a:xfrm>
+                <a:off x="7606535" y="7181668"/>
+                <a:ext cx="6552665" cy="2146035"/>
+              </a:xfrm>
+              <a:prstGeom prst="roundRect">
+                <a:avLst/>
+              </a:prstGeom>
+              <a:solidFill>
+                <a:srgbClr val="8BC167"/>
+              </a:solidFill>
+              <a:ln>
+                <a:noFill/>
+              </a:ln>
+            </p:spPr>
+            <p:style>
+              <a:lnRef idx="2">
+                <a:schemeClr val="accent1">
+                  <a:shade val="50000"/>
+                </a:schemeClr>
+              </a:lnRef>
+              <a:fillRef idx="1">
+                <a:schemeClr val="accent1"/>
+              </a:fillRef>
+              <a:effectRef idx="0">
+                <a:schemeClr val="accent1"/>
+              </a:effectRef>
+              <a:fontRef idx="minor">
+                <a:schemeClr val="lt1"/>
+              </a:fontRef>
+            </p:style>
+            <p:txBody>
+              <a:bodyPr rot="0" spcFirstLastPara="0" vertOverflow="overflow" horzOverflow="overflow" vert="horz" wrap="square" lIns="91440" tIns="45720" rIns="91440" bIns="45720" numCol="1" spcCol="0" rtlCol="0" fromWordArt="0" anchor="ctr" anchorCtr="0" forceAA="0" compatLnSpc="1">
+                <a:prstTxWarp prst="textNoShape">
+                  <a:avLst/>
+                </a:prstTxWarp>
+                <a:noAutofit/>
+              </a:bodyPr>
+              <a:lstStyle/>
+              <a:p>
+                <a:pPr algn="ctr"/>
+                <a:endParaRPr lang="zh-TW" altLang="en-US" sz="1800"/>
+              </a:p>
+            </p:txBody>
+          </p:sp>
+          <p:sp>
+            <p:nvSpPr>
+              <p:cNvPr id="137" name="矩形 136"/>
+              <p:cNvSpPr/>
+              <p:nvPr/>
+            </p:nvSpPr>
+            <p:spPr>
+              <a:xfrm>
+                <a:off x="7606531" y="7540510"/>
+                <a:ext cx="6552669" cy="1428347"/>
+              </a:xfrm>
+              <a:prstGeom prst="rect">
+                <a:avLst/>
+              </a:prstGeom>
+              <a:solidFill>
+                <a:srgbClr val="282828"/>
+              </a:solidFill>
+              <a:ln>
+                <a:noFill/>
+              </a:ln>
+            </p:spPr>
+            <p:style>
+              <a:lnRef idx="2">
+                <a:schemeClr val="accent1">
+                  <a:shade val="50000"/>
+                </a:schemeClr>
+              </a:lnRef>
+              <a:fillRef idx="1">
+                <a:schemeClr val="accent1"/>
+              </a:fillRef>
+              <a:effectRef idx="0">
+                <a:schemeClr val="accent1"/>
+              </a:effectRef>
+              <a:fontRef idx="minor">
+                <a:schemeClr val="lt1"/>
+              </a:fontRef>
+            </p:style>
+            <p:txBody>
+              <a:bodyPr rot="0" spcFirstLastPara="0" vertOverflow="overflow" horzOverflow="overflow" vert="horz" wrap="square" lIns="91440" tIns="45720" rIns="91440" bIns="45720" numCol="1" spcCol="0" rtlCol="0" fromWordArt="0" anchor="ctr" anchorCtr="0" forceAA="0" compatLnSpc="1">
+                <a:prstTxWarp prst="textNoShape">
+                  <a:avLst/>
+                </a:prstTxWarp>
+                <a:noAutofit/>
+              </a:bodyPr>
+              <a:lstStyle/>
+              <a:p>
+                <a:pPr algn="ctr"/>
+                <a:r>
+                  <a:rPr lang="en-US" altLang="zh-TW" sz="2800" dirty="0" smtClean="0">
+                    <a:solidFill>
+                      <a:srgbClr val="D2E6C4"/>
+                    </a:solidFill>
+                    <a:latin typeface="Source Code Pro" panose="020B0509030403020204" pitchFamily="49" charset="0"/>
+                  </a:rPr>
+                  <a:t>Transformer Decoder</a:t>
+                </a:r>
+                <a:r>
+                  <a:rPr lang="zh-TW" altLang="en-US" sz="2800" dirty="0" smtClean="0">
+                    <a:solidFill>
+                      <a:srgbClr val="D2E6C4"/>
+                    </a:solidFill>
+                    <a:latin typeface="Source Code Pro" panose="020B0509030403020204" pitchFamily="49" charset="0"/>
+                  </a:rPr>
+                  <a:t> </a:t>
+                </a:r>
+                <a:r>
+                  <a:rPr lang="en-US" altLang="zh-TW" sz="2800" dirty="0" smtClean="0">
+                    <a:solidFill>
+                      <a:srgbClr val="D2E6C4"/>
+                    </a:solidFill>
+                    <a:latin typeface="Source Code Pro" panose="020B0509030403020204" pitchFamily="49" charset="0"/>
+                  </a:rPr>
+                  <a:t>Block</a:t>
+                </a:r>
+                <a:endParaRPr lang="zh-TW" altLang="en-US" sz="2800" dirty="0">
+                  <a:solidFill>
+                    <a:srgbClr val="D2E6C4"/>
+                  </a:solidFill>
+                  <a:latin typeface="Source Code Pro" panose="020B0509030403020204" pitchFamily="49" charset="0"/>
+                </a:endParaRPr>
+              </a:p>
+            </p:txBody>
+          </p:sp>
+        </p:grpSp>
+        <p:cxnSp>
+          <p:nvCxnSpPr>
+            <p:cNvPr id="168" name="肘形接點 45"/>
+            <p:cNvCxnSpPr>
+              <a:stCxn id="140" idx="0"/>
+              <a:endCxn id="136" idx="2"/>
+            </p:cNvCxnSpPr>
+            <p:nvPr/>
+          </p:nvCxnSpPr>
+          <p:spPr>
+            <a:xfrm flipV="1">
+              <a:off x="9120320" y="8926315"/>
+              <a:ext cx="2" cy="513831"/>
+            </a:xfrm>
+            <a:prstGeom prst="straightConnector1">
+              <a:avLst/>
+            </a:prstGeom>
+            <a:ln w="63500" cap="rnd">
+              <a:gradFill>
+                <a:gsLst>
+                  <a:gs pos="43000">
+                    <a:srgbClr val="8BC167"/>
+                  </a:gs>
+                  <a:gs pos="21000">
+                    <a:srgbClr val="21C5FF"/>
+                  </a:gs>
+                </a:gsLst>
+                <a:lin ang="5400000" scaled="1"/>
+              </a:gradFill>
+              <a:round/>
+              <a:tailEnd type="triangle"/>
+            </a:ln>
+          </p:spPr>
+          <p:style>
+            <a:lnRef idx="1">
+              <a:schemeClr val="accent1"/>
+            </a:lnRef>
+            <a:fillRef idx="0">
+              <a:schemeClr val="accent1"/>
+            </a:fillRef>
+            <a:effectRef idx="0">
+              <a:schemeClr val="accent1"/>
+            </a:effectRef>
+            <a:fontRef idx="minor">
+              <a:schemeClr val="tx1"/>
+            </a:fontRef>
+          </p:style>
+        </p:cxnSp>
+        <p:cxnSp>
+          <p:nvCxnSpPr>
+            <p:cNvPr id="163" name="肘形接點 45"/>
+            <p:cNvCxnSpPr>
+              <a:stCxn id="136" idx="0"/>
+              <a:endCxn id="141" idx="2"/>
+            </p:cNvCxnSpPr>
+            <p:nvPr/>
+          </p:nvCxnSpPr>
+          <p:spPr>
+            <a:xfrm flipH="1" flipV="1">
+              <a:off x="9120320" y="6505342"/>
+              <a:ext cx="2" cy="535912"/>
+            </a:xfrm>
+            <a:prstGeom prst="straightConnector1">
+              <a:avLst/>
+            </a:prstGeom>
+            <a:ln w="63500" cap="rnd">
+              <a:gradFill>
+                <a:gsLst>
+                  <a:gs pos="30000">
+                    <a:srgbClr val="8BC167"/>
+                  </a:gs>
+                  <a:gs pos="59000">
+                    <a:srgbClr val="21C5FF"/>
+                  </a:gs>
+                </a:gsLst>
+                <a:lin ang="5400000" scaled="1"/>
+              </a:gradFill>
+              <a:round/>
+              <a:tailEnd type="triangle"/>
+            </a:ln>
+          </p:spPr>
+          <p:style>
+            <a:lnRef idx="1">
+              <a:schemeClr val="accent1"/>
+            </a:lnRef>
+            <a:fillRef idx="0">
+              <a:schemeClr val="accent1"/>
+            </a:fillRef>
+            <a:effectRef idx="0">
+              <a:schemeClr val="accent1"/>
+            </a:effectRef>
+            <a:fontRef idx="minor">
+              <a:schemeClr val="tx1"/>
+            </a:fontRef>
+          </p:style>
+        </p:cxnSp>
+      </p:grpSp>
+    </p:spTree>
+    <p:extLst>
+      <p:ext uri="{BB962C8B-B14F-4D97-AF65-F5344CB8AC3E}">
+        <p14:creationId xmlns:p14="http://schemas.microsoft.com/office/powerpoint/2010/main" val="603247131"/>
+      </p:ext>
+    </p:extLst>
+  </p:cSld>
+  <p:clrMapOvr>
+    <a:masterClrMapping/>
+  </p:clrMapOvr>
+  <p:timing>
+    <p:tnLst>
+      <p:par>
+        <p:cTn id="1" dur="indefinite" restart="never" nodeType="tmRoot"/>
+      </p:par>
+    </p:tnLst>
+  </p:timing>
+</p:sld>
+</file>
+
+<file path=ppt/slides/slide8.xml><?xml version="1.0" encoding="utf-8"?>
 <p:sld xmlns:a="http://schemas.openxmlformats.org/drawingml/2006/main" xmlns:r="http://schemas.openxmlformats.org/officeDocument/2006/relationships" xmlns:p="http://schemas.openxmlformats.org/presentationml/2006/main">
   <p:cSld>
     <p:bg>
